--- a/Теория/Презентация ВКР Поздеев.pptx
+++ b/Теория/Презентация ВКР Поздеев.pptx
@@ -4,6 +4,9 @@
   <p:sldMasterIdLst>
     <p:sldMasterId id="2147483857" r:id="rId1"/>
   </p:sldMasterIdLst>
+  <p:notesMasterIdLst>
+    <p:notesMasterId r:id="rId18"/>
+  </p:notesMasterIdLst>
   <p:sldIdLst>
     <p:sldId id="257" r:id="rId2"/>
     <p:sldId id="258" r:id="rId3"/>
@@ -16,6 +19,11 @@
     <p:sldId id="264" r:id="rId10"/>
     <p:sldId id="267" r:id="rId11"/>
     <p:sldId id="268" r:id="rId12"/>
+    <p:sldId id="269" r:id="rId13"/>
+    <p:sldId id="270" r:id="rId14"/>
+    <p:sldId id="271" r:id="rId15"/>
+    <p:sldId id="272" r:id="rId16"/>
+    <p:sldId id="273" r:id="rId17"/>
   </p:sldIdLst>
   <p:sldSz cx="12192000" cy="6858000"/>
   <p:notesSz cx="6858000" cy="9144000"/>
@@ -1054,13 +1062,8 @@
         <a:p>
           <a:r>
             <a:rPr lang="ru-RU" dirty="0"/>
-            <a:t>Сервис </a:t>
+            <a:t>Сервис ресурсов</a:t>
           </a:r>
-          <a:r>
-            <a:rPr lang="en-US" dirty="0"/>
-            <a:t>WEB API</a:t>
-          </a:r>
-          <a:endParaRPr lang="ru-RU" dirty="0"/>
         </a:p>
       </dgm:t>
     </dgm:pt>
@@ -1300,58 +1303,6 @@
         </a:p>
       </dgm:t>
     </dgm:pt>
-    <dgm:pt modelId="{F6617F27-1777-438A-A660-1B9255109133}">
-      <dgm:prSet/>
-      <dgm:spPr>
-        <a:solidFill>
-          <a:schemeClr val="tx1"/>
-        </a:solidFill>
-      </dgm:spPr>
-      <dgm:t>
-        <a:bodyPr/>
-        <a:lstStyle/>
-        <a:p>
-          <a:r>
-            <a:rPr lang="en-US" dirty="0">
-              <a:solidFill>
-                <a:schemeClr val="bg1"/>
-              </a:solidFill>
-            </a:rPr>
-            <a:t>PUSH-</a:t>
-          </a:r>
-          <a:r>
-            <a:rPr lang="ru-RU" dirty="0">
-              <a:solidFill>
-                <a:schemeClr val="bg1"/>
-              </a:solidFill>
-            </a:rPr>
-            <a:t>уведомления</a:t>
-          </a:r>
-        </a:p>
-      </dgm:t>
-    </dgm:pt>
-    <dgm:pt modelId="{BC272123-BB5F-417F-B8E8-858C6CA94B2E}" type="parTrans" cxnId="{6DD3FF57-B90A-4F72-A232-9F9E13BF583E}">
-      <dgm:prSet/>
-      <dgm:spPr/>
-      <dgm:t>
-        <a:bodyPr/>
-        <a:lstStyle/>
-        <a:p>
-          <a:endParaRPr lang="ru-RU"/>
-        </a:p>
-      </dgm:t>
-    </dgm:pt>
-    <dgm:pt modelId="{C3B5F281-1A9C-44FE-9888-88CC9D1F6671}" type="sibTrans" cxnId="{6DD3FF57-B90A-4F72-A232-9F9E13BF583E}">
-      <dgm:prSet/>
-      <dgm:spPr/>
-      <dgm:t>
-        <a:bodyPr/>
-        <a:lstStyle/>
-        <a:p>
-          <a:endParaRPr lang="ru-RU"/>
-        </a:p>
-      </dgm:t>
-    </dgm:pt>
     <dgm:pt modelId="{C425EC0C-C896-48FB-928D-80877C72E630}" type="pres">
       <dgm:prSet presAssocID="{E56A1606-B412-48DC-B431-D073BDE099AF}" presName="hierChild1" presStyleCnt="0">
         <dgm:presLayoutVars>
@@ -1498,7 +1449,7 @@
       <dgm:spPr/>
     </dgm:pt>
     <dgm:pt modelId="{EA13E375-64F0-41AE-BE46-0201C40EFDC6}" type="pres">
-      <dgm:prSet presAssocID="{5CB0D8AA-079D-4DE2-A027-3C5FE9DDB7DC}" presName="Name37" presStyleLbl="parChTrans1D3" presStyleIdx="0" presStyleCnt="6"/>
+      <dgm:prSet presAssocID="{5CB0D8AA-079D-4DE2-A027-3C5FE9DDB7DC}" presName="Name37" presStyleLbl="parChTrans1D3" presStyleIdx="0" presStyleCnt="5"/>
       <dgm:spPr/>
     </dgm:pt>
     <dgm:pt modelId="{2036440D-557F-48B5-BA49-BC35EFC75E98}" type="pres">
@@ -1514,7 +1465,7 @@
       <dgm:spPr/>
     </dgm:pt>
     <dgm:pt modelId="{F684CB6D-0CA3-4575-B400-83A8010D1C8F}" type="pres">
-      <dgm:prSet presAssocID="{7AA57574-C233-4284-AC8F-A08EE20B7F5A}" presName="rootText" presStyleLbl="node3" presStyleIdx="0" presStyleCnt="6">
+      <dgm:prSet presAssocID="{7AA57574-C233-4284-AC8F-A08EE20B7F5A}" presName="rootText" presStyleLbl="node3" presStyleIdx="0" presStyleCnt="5">
         <dgm:presLayoutVars>
           <dgm:chPref val="3"/>
         </dgm:presLayoutVars>
@@ -1522,7 +1473,7 @@
       <dgm:spPr/>
     </dgm:pt>
     <dgm:pt modelId="{496354FE-F3CC-4D1F-931B-2ED8EC9B90C8}" type="pres">
-      <dgm:prSet presAssocID="{7AA57574-C233-4284-AC8F-A08EE20B7F5A}" presName="rootConnector" presStyleLbl="node3" presStyleIdx="0" presStyleCnt="6"/>
+      <dgm:prSet presAssocID="{7AA57574-C233-4284-AC8F-A08EE20B7F5A}" presName="rootConnector" presStyleLbl="node3" presStyleIdx="0" presStyleCnt="5"/>
       <dgm:spPr/>
     </dgm:pt>
     <dgm:pt modelId="{D40DAF58-77D1-47E6-BABC-9A4A00FF0201}" type="pres">
@@ -1534,7 +1485,7 @@
       <dgm:spPr/>
     </dgm:pt>
     <dgm:pt modelId="{C7DDE1B5-3221-4895-A983-D4D793190E3A}" type="pres">
-      <dgm:prSet presAssocID="{09F555BA-FE77-492F-84B7-5289B24891A3}" presName="Name37" presStyleLbl="parChTrans1D3" presStyleIdx="1" presStyleCnt="6"/>
+      <dgm:prSet presAssocID="{09F555BA-FE77-492F-84B7-5289B24891A3}" presName="Name37" presStyleLbl="parChTrans1D3" presStyleIdx="1" presStyleCnt="5"/>
       <dgm:spPr/>
     </dgm:pt>
     <dgm:pt modelId="{2FA24DC3-093D-4E97-AC4D-D6632FAE5CEA}" type="pres">
@@ -1550,7 +1501,7 @@
       <dgm:spPr/>
     </dgm:pt>
     <dgm:pt modelId="{CF81FC50-5925-44BE-B20B-29F815938336}" type="pres">
-      <dgm:prSet presAssocID="{16C5A2A5-6852-4791-A406-C8A6AB3EB4CA}" presName="rootText" presStyleLbl="node3" presStyleIdx="1" presStyleCnt="6">
+      <dgm:prSet presAssocID="{16C5A2A5-6852-4791-A406-C8A6AB3EB4CA}" presName="rootText" presStyleLbl="node3" presStyleIdx="1" presStyleCnt="5">
         <dgm:presLayoutVars>
           <dgm:chPref val="3"/>
         </dgm:presLayoutVars>
@@ -1558,7 +1509,7 @@
       <dgm:spPr/>
     </dgm:pt>
     <dgm:pt modelId="{984FD0E1-2D92-47EA-BCDD-9D8C52305717}" type="pres">
-      <dgm:prSet presAssocID="{16C5A2A5-6852-4791-A406-C8A6AB3EB4CA}" presName="rootConnector" presStyleLbl="node3" presStyleIdx="1" presStyleCnt="6"/>
+      <dgm:prSet presAssocID="{16C5A2A5-6852-4791-A406-C8A6AB3EB4CA}" presName="rootConnector" presStyleLbl="node3" presStyleIdx="1" presStyleCnt="5"/>
       <dgm:spPr/>
     </dgm:pt>
     <dgm:pt modelId="{092CD1C3-AD72-4031-9F94-89D01E74FB8F}" type="pres">
@@ -1567,42 +1518,6 @@
     </dgm:pt>
     <dgm:pt modelId="{2645CE66-0330-4A3A-B406-BC2CA64E4E1A}" type="pres">
       <dgm:prSet presAssocID="{16C5A2A5-6852-4791-A406-C8A6AB3EB4CA}" presName="hierChild5" presStyleCnt="0"/>
-      <dgm:spPr/>
-    </dgm:pt>
-    <dgm:pt modelId="{766A2A21-0D15-4F6A-BAC5-DCC66DECCA26}" type="pres">
-      <dgm:prSet presAssocID="{BC272123-BB5F-417F-B8E8-858C6CA94B2E}" presName="Name37" presStyleLbl="parChTrans1D3" presStyleIdx="2" presStyleCnt="6"/>
-      <dgm:spPr/>
-    </dgm:pt>
-    <dgm:pt modelId="{57B28507-EF20-4BD0-AAD2-52935CE9B9F1}" type="pres">
-      <dgm:prSet presAssocID="{F6617F27-1777-438A-A660-1B9255109133}" presName="hierRoot2" presStyleCnt="0">
-        <dgm:presLayoutVars>
-          <dgm:hierBranch val="init"/>
-        </dgm:presLayoutVars>
-      </dgm:prSet>
-      <dgm:spPr/>
-    </dgm:pt>
-    <dgm:pt modelId="{41E512F7-5B7E-4D60-95F8-87E3AF92D337}" type="pres">
-      <dgm:prSet presAssocID="{F6617F27-1777-438A-A660-1B9255109133}" presName="rootComposite" presStyleCnt="0"/>
-      <dgm:spPr/>
-    </dgm:pt>
-    <dgm:pt modelId="{B1283B8D-F63F-4592-B129-6B0CC29A4F9E}" type="pres">
-      <dgm:prSet presAssocID="{F6617F27-1777-438A-A660-1B9255109133}" presName="rootText" presStyleLbl="node3" presStyleIdx="2" presStyleCnt="6">
-        <dgm:presLayoutVars>
-          <dgm:chPref val="3"/>
-        </dgm:presLayoutVars>
-      </dgm:prSet>
-      <dgm:spPr/>
-    </dgm:pt>
-    <dgm:pt modelId="{58BD87BC-804B-4C58-B879-4CB99364C123}" type="pres">
-      <dgm:prSet presAssocID="{F6617F27-1777-438A-A660-1B9255109133}" presName="rootConnector" presStyleLbl="node3" presStyleIdx="2" presStyleCnt="6"/>
-      <dgm:spPr/>
-    </dgm:pt>
-    <dgm:pt modelId="{BBD21925-EA78-472C-8564-34C9D9ADF5BD}" type="pres">
-      <dgm:prSet presAssocID="{F6617F27-1777-438A-A660-1B9255109133}" presName="hierChild4" presStyleCnt="0"/>
-      <dgm:spPr/>
-    </dgm:pt>
-    <dgm:pt modelId="{A8C1AA79-F72A-435F-AB4F-3EAE4E1EB188}" type="pres">
-      <dgm:prSet presAssocID="{F6617F27-1777-438A-A660-1B9255109133}" presName="hierChild5" presStyleCnt="0"/>
       <dgm:spPr/>
     </dgm:pt>
     <dgm:pt modelId="{EAAE914B-E388-4EC8-B530-3A99BD8EFEEC}" type="pres">
@@ -1642,7 +1557,7 @@
       <dgm:spPr/>
     </dgm:pt>
     <dgm:pt modelId="{54C625C3-ED21-4BEC-A6B2-36F003EB321C}" type="pres">
-      <dgm:prSet presAssocID="{8DBDA32E-CEDB-4958-933D-EAF333B158DB}" presName="Name37" presStyleLbl="parChTrans1D3" presStyleIdx="3" presStyleCnt="6"/>
+      <dgm:prSet presAssocID="{8DBDA32E-CEDB-4958-933D-EAF333B158DB}" presName="Name37" presStyleLbl="parChTrans1D3" presStyleIdx="2" presStyleCnt="5"/>
       <dgm:spPr/>
     </dgm:pt>
     <dgm:pt modelId="{DF0A9812-B2A2-47B5-9A3E-1F9023DBC17F}" type="pres">
@@ -1658,7 +1573,7 @@
       <dgm:spPr/>
     </dgm:pt>
     <dgm:pt modelId="{370B2BA9-3B69-4D8C-859C-83949602F126}" type="pres">
-      <dgm:prSet presAssocID="{42FC45B0-1C9B-4A8B-B0B2-F3D2FF3A2468}" presName="rootText" presStyleLbl="node3" presStyleIdx="3" presStyleCnt="6">
+      <dgm:prSet presAssocID="{42FC45B0-1C9B-4A8B-B0B2-F3D2FF3A2468}" presName="rootText" presStyleLbl="node3" presStyleIdx="2" presStyleCnt="5">
         <dgm:presLayoutVars>
           <dgm:chPref val="3"/>
         </dgm:presLayoutVars>
@@ -1666,7 +1581,7 @@
       <dgm:spPr/>
     </dgm:pt>
     <dgm:pt modelId="{6D1182BA-3C0E-4439-9AC5-76ED492F75EB}" type="pres">
-      <dgm:prSet presAssocID="{42FC45B0-1C9B-4A8B-B0B2-F3D2FF3A2468}" presName="rootConnector" presStyleLbl="node3" presStyleIdx="3" presStyleCnt="6"/>
+      <dgm:prSet presAssocID="{42FC45B0-1C9B-4A8B-B0B2-F3D2FF3A2468}" presName="rootConnector" presStyleLbl="node3" presStyleIdx="2" presStyleCnt="5"/>
       <dgm:spPr/>
     </dgm:pt>
     <dgm:pt modelId="{E8FACB55-44CB-4D1C-B8B2-D9E3EC1473E7}" type="pres">
@@ -1678,7 +1593,7 @@
       <dgm:spPr/>
     </dgm:pt>
     <dgm:pt modelId="{A194D412-1823-4CAC-ACAD-63D56EBE3FA3}" type="pres">
-      <dgm:prSet presAssocID="{C500B74A-3977-42FA-B0EF-541749584CCF}" presName="Name37" presStyleLbl="parChTrans1D3" presStyleIdx="4" presStyleCnt="6"/>
+      <dgm:prSet presAssocID="{C500B74A-3977-42FA-B0EF-541749584CCF}" presName="Name37" presStyleLbl="parChTrans1D3" presStyleIdx="3" presStyleCnt="5"/>
       <dgm:spPr/>
     </dgm:pt>
     <dgm:pt modelId="{6078C560-FB54-461B-8C47-F18335AF84B9}" type="pres">
@@ -1694,7 +1609,7 @@
       <dgm:spPr/>
     </dgm:pt>
     <dgm:pt modelId="{2E6DF66F-FA8C-44E4-AEBC-B414769205A9}" type="pres">
-      <dgm:prSet presAssocID="{E72DCED2-8557-4FA3-AC19-06B6B9A2E37F}" presName="rootText" presStyleLbl="node3" presStyleIdx="4" presStyleCnt="6">
+      <dgm:prSet presAssocID="{E72DCED2-8557-4FA3-AC19-06B6B9A2E37F}" presName="rootText" presStyleLbl="node3" presStyleIdx="3" presStyleCnt="5">
         <dgm:presLayoutVars>
           <dgm:chPref val="3"/>
         </dgm:presLayoutVars>
@@ -1702,7 +1617,7 @@
       <dgm:spPr/>
     </dgm:pt>
     <dgm:pt modelId="{BA484903-3C28-497B-805D-DF24C488C7A0}" type="pres">
-      <dgm:prSet presAssocID="{E72DCED2-8557-4FA3-AC19-06B6B9A2E37F}" presName="rootConnector" presStyleLbl="node3" presStyleIdx="4" presStyleCnt="6"/>
+      <dgm:prSet presAssocID="{E72DCED2-8557-4FA3-AC19-06B6B9A2E37F}" presName="rootConnector" presStyleLbl="node3" presStyleIdx="3" presStyleCnt="5"/>
       <dgm:spPr/>
     </dgm:pt>
     <dgm:pt modelId="{20B2B864-3915-4267-8383-60CBA9129F73}" type="pres">
@@ -1714,7 +1629,7 @@
       <dgm:spPr/>
     </dgm:pt>
     <dgm:pt modelId="{A3A9214C-149D-450C-B524-8A8AFBAE6598}" type="pres">
-      <dgm:prSet presAssocID="{06E67021-E373-46DD-B510-B025D62858F0}" presName="Name37" presStyleLbl="parChTrans1D3" presStyleIdx="5" presStyleCnt="6"/>
+      <dgm:prSet presAssocID="{06E67021-E373-46DD-B510-B025D62858F0}" presName="Name37" presStyleLbl="parChTrans1D3" presStyleIdx="4" presStyleCnt="5"/>
       <dgm:spPr/>
     </dgm:pt>
     <dgm:pt modelId="{835CD7ED-F7B0-4392-8CC5-E49A2F07232D}" type="pres">
@@ -1730,7 +1645,7 @@
       <dgm:spPr/>
     </dgm:pt>
     <dgm:pt modelId="{37B891EE-457B-4B1D-8D27-286A7326E551}" type="pres">
-      <dgm:prSet presAssocID="{2B13909C-1305-4F36-800F-01E48E5218D8}" presName="rootText" presStyleLbl="node3" presStyleIdx="5" presStyleCnt="6">
+      <dgm:prSet presAssocID="{2B13909C-1305-4F36-800F-01E48E5218D8}" presName="rootText" presStyleLbl="node3" presStyleIdx="4" presStyleCnt="5">
         <dgm:presLayoutVars>
           <dgm:chPref val="3"/>
         </dgm:presLayoutVars>
@@ -1738,7 +1653,7 @@
       <dgm:spPr/>
     </dgm:pt>
     <dgm:pt modelId="{0DDF5149-6241-49AC-AD76-56534B6EC371}" type="pres">
-      <dgm:prSet presAssocID="{2B13909C-1305-4F36-800F-01E48E5218D8}" presName="rootConnector" presStyleLbl="node3" presStyleIdx="5" presStyleCnt="6"/>
+      <dgm:prSet presAssocID="{2B13909C-1305-4F36-800F-01E48E5218D8}" presName="rootConnector" presStyleLbl="node3" presStyleIdx="4" presStyleCnt="5"/>
       <dgm:spPr/>
     </dgm:pt>
     <dgm:pt modelId="{817EB491-3303-47FF-A02E-F6B4FBD01A20}" type="pres">
@@ -1771,7 +1686,6 @@
     <dgm:cxn modelId="{9C7FA03B-6E95-4CF8-B99B-54A8D511E9E2}" srcId="{5D438917-69EB-4960-9EE9-6184D48EA467}" destId="{65ACCE1D-3BD4-4927-A396-2D6CF96BDFBC}" srcOrd="0" destOrd="0" parTransId="{6BFF1C58-5C59-46CA-A03C-6B32D2E4F714}" sibTransId="{EDC29EB1-B31E-4A51-98E4-6B2444D260DA}"/>
     <dgm:cxn modelId="{E70E183D-4080-446D-A53F-0069CEC5B485}" srcId="{5D438917-69EB-4960-9EE9-6184D48EA467}" destId="{C761D48B-45E3-41DC-8EE1-AEC4A1AF3659}" srcOrd="3" destOrd="0" parTransId="{2D31D540-5954-4A9F-BB45-3F8A21254195}" sibTransId="{034323FE-DD98-4981-B780-4387B3101F9A}"/>
     <dgm:cxn modelId="{61FA4E5D-C963-477E-A60A-252F36D59C23}" srcId="{C761D48B-45E3-41DC-8EE1-AEC4A1AF3659}" destId="{42FC45B0-1C9B-4A8B-B0B2-F3D2FF3A2468}" srcOrd="0" destOrd="0" parTransId="{8DBDA32E-CEDB-4958-933D-EAF333B158DB}" sibTransId="{77154F5C-EBB2-49EC-A0B8-A101D0BDB9EF}"/>
-    <dgm:cxn modelId="{119C8A5D-C98F-48E9-96C8-710265E58B25}" type="presOf" srcId="{F6617F27-1777-438A-A660-1B9255109133}" destId="{B1283B8D-F63F-4592-B129-6B0CC29A4F9E}" srcOrd="0" destOrd="0" presId="urn:microsoft.com/office/officeart/2005/8/layout/orgChart1"/>
     <dgm:cxn modelId="{561FA55F-4A66-447E-81CE-A6A74F343B0C}" type="presOf" srcId="{16C5A2A5-6852-4791-A406-C8A6AB3EB4CA}" destId="{984FD0E1-2D92-47EA-BCDD-9D8C52305717}" srcOrd="1" destOrd="0" presId="urn:microsoft.com/office/officeart/2005/8/layout/orgChart1"/>
     <dgm:cxn modelId="{78391041-642C-4F3E-9C6C-131DC15006E9}" type="presOf" srcId="{E72DCED2-8557-4FA3-AC19-06B6B9A2E37F}" destId="{2E6DF66F-FA8C-44E4-AEBC-B414769205A9}" srcOrd="0" destOrd="0" presId="urn:microsoft.com/office/officeart/2005/8/layout/orgChart1"/>
     <dgm:cxn modelId="{D932CD62-2B3D-469D-8D44-CDD155481342}" type="presOf" srcId="{8797460D-7CF2-41FC-8E93-DAD94949E865}" destId="{2D411D37-64EF-4925-8EE2-9A49E967AE67}" srcOrd="0" destOrd="0" presId="urn:microsoft.com/office/officeart/2005/8/layout/orgChart1"/>
@@ -1783,13 +1697,11 @@
     <dgm:cxn modelId="{66A0FB69-7507-4E39-8C11-5E75B0A805F2}" type="presOf" srcId="{5D438917-69EB-4960-9EE9-6184D48EA467}" destId="{8AC92E4C-15DA-46FB-8356-53D37AA6EA8F}" srcOrd="1" destOrd="0" presId="urn:microsoft.com/office/officeart/2005/8/layout/orgChart1"/>
     <dgm:cxn modelId="{E6589E6D-0F66-4474-85CA-7D5752765A01}" srcId="{C761D48B-45E3-41DC-8EE1-AEC4A1AF3659}" destId="{2B13909C-1305-4F36-800F-01E48E5218D8}" srcOrd="2" destOrd="0" parTransId="{06E67021-E373-46DD-B510-B025D62858F0}" sibTransId="{103DC43D-F620-47EA-AF5E-8E1CB6C06DCC}"/>
     <dgm:cxn modelId="{66ABC271-D95A-413E-ACEB-794C9429134F}" type="presOf" srcId="{2B13909C-1305-4F36-800F-01E48E5218D8}" destId="{0DDF5149-6241-49AC-AD76-56534B6EC371}" srcOrd="1" destOrd="0" presId="urn:microsoft.com/office/officeart/2005/8/layout/orgChart1"/>
-    <dgm:cxn modelId="{6DD3FF57-B90A-4F72-A232-9F9E13BF583E}" srcId="{C758C8A6-126C-4CF9-A7E3-CBBC44B48497}" destId="{F6617F27-1777-438A-A660-1B9255109133}" srcOrd="2" destOrd="0" parTransId="{BC272123-BB5F-417F-B8E8-858C6CA94B2E}" sibTransId="{C3B5F281-1A9C-44FE-9888-88CC9D1F6671}"/>
     <dgm:cxn modelId="{664AD55A-264F-46A8-8961-582730E00273}" srcId="{5D438917-69EB-4960-9EE9-6184D48EA467}" destId="{C758C8A6-126C-4CF9-A7E3-CBBC44B48497}" srcOrd="2" destOrd="0" parTransId="{8797460D-7CF2-41FC-8E93-DAD94949E865}" sibTransId="{3A36C136-C071-4C69-AFB3-1C4918486399}"/>
     <dgm:cxn modelId="{C3DC0285-E642-4843-A63D-8B2932DB924A}" srcId="{C761D48B-45E3-41DC-8EE1-AEC4A1AF3659}" destId="{E72DCED2-8557-4FA3-AC19-06B6B9A2E37F}" srcOrd="1" destOrd="0" parTransId="{C500B74A-3977-42FA-B0EF-541749584CCF}" sibTransId="{AFC61A09-EE85-44A5-90F4-FA207310FE00}"/>
     <dgm:cxn modelId="{F8D11095-65FE-4CCB-B730-7243D5EA5055}" type="presOf" srcId="{5D438917-69EB-4960-9EE9-6184D48EA467}" destId="{114B413F-3723-4A0A-95A9-A951E3190945}" srcOrd="0" destOrd="0" presId="urn:microsoft.com/office/officeart/2005/8/layout/orgChart1"/>
     <dgm:cxn modelId="{A7A2569D-B9E0-46D4-907D-9BF83CF3C5EA}" type="presOf" srcId="{2D31D540-5954-4A9F-BB45-3F8A21254195}" destId="{096189C1-DA8D-48D6-8880-7BF514A3200A}" srcOrd="0" destOrd="0" presId="urn:microsoft.com/office/officeart/2005/8/layout/orgChart1"/>
     <dgm:cxn modelId="{0A25B7A7-B853-44E7-8B57-9E159A5F2A90}" type="presOf" srcId="{7AA57574-C233-4284-AC8F-A08EE20B7F5A}" destId="{496354FE-F3CC-4D1F-931B-2ED8EC9B90C8}" srcOrd="1" destOrd="0" presId="urn:microsoft.com/office/officeart/2005/8/layout/orgChart1"/>
-    <dgm:cxn modelId="{6A012BAC-397C-42C3-A561-133FC21A1731}" type="presOf" srcId="{BC272123-BB5F-417F-B8E8-858C6CA94B2E}" destId="{766A2A21-0D15-4F6A-BAC5-DCC66DECCA26}" srcOrd="0" destOrd="0" presId="urn:microsoft.com/office/officeart/2005/8/layout/orgChart1"/>
     <dgm:cxn modelId="{8118D0B1-C9D8-4D4B-92D3-55F6B3A30E4A}" type="presOf" srcId="{5CB0D8AA-079D-4DE2-A027-3C5FE9DDB7DC}" destId="{EA13E375-64F0-41AE-BE46-0201C40EFDC6}" srcOrd="0" destOrd="0" presId="urn:microsoft.com/office/officeart/2005/8/layout/orgChart1"/>
     <dgm:cxn modelId="{B2F46DB3-F760-493A-B8B4-2D5897D2499D}" type="presOf" srcId="{C761D48B-45E3-41DC-8EE1-AEC4A1AF3659}" destId="{CC4A03C4-DDC0-4767-B0DC-552FE17BF4B2}" srcOrd="0" destOrd="0" presId="urn:microsoft.com/office/officeart/2005/8/layout/orgChart1"/>
     <dgm:cxn modelId="{7FE1CCB8-588D-4E0A-A974-498E5655612F}" srcId="{C758C8A6-126C-4CF9-A7E3-CBBC44B48497}" destId="{16C5A2A5-6852-4791-A406-C8A6AB3EB4CA}" srcOrd="1" destOrd="0" parTransId="{09F555BA-FE77-492F-84B7-5289B24891A3}" sibTransId="{36CF9179-A062-468B-B83B-390DB61F4FB4}"/>
@@ -1800,7 +1712,6 @@
     <dgm:cxn modelId="{6305B6E6-97E4-4303-8C71-A7AC62D329C0}" type="presOf" srcId="{8DBDA32E-CEDB-4958-933D-EAF333B158DB}" destId="{54C625C3-ED21-4BEC-A6B2-36F003EB321C}" srcOrd="0" destOrd="0" presId="urn:microsoft.com/office/officeart/2005/8/layout/orgChart1"/>
     <dgm:cxn modelId="{C8C62FE7-D7B2-4FF0-A42F-BDBB22F4E309}" type="presOf" srcId="{C500B74A-3977-42FA-B0EF-541749584CCF}" destId="{A194D412-1823-4CAC-ACAD-63D56EBE3FA3}" srcOrd="0" destOrd="0" presId="urn:microsoft.com/office/officeart/2005/8/layout/orgChart1"/>
     <dgm:cxn modelId="{CCDE8FEC-E31A-4AD3-AE93-09F6CE99AA52}" type="presOf" srcId="{05243F4A-7AB1-440A-B158-DDCEA8D9CC01}" destId="{7B82CD7D-E66B-495D-A167-208DAFE04C14}" srcOrd="0" destOrd="0" presId="urn:microsoft.com/office/officeart/2005/8/layout/orgChart1"/>
-    <dgm:cxn modelId="{2A232DF3-6C8F-4470-8E7A-1C5BFE9DE4C2}" type="presOf" srcId="{F6617F27-1777-438A-A660-1B9255109133}" destId="{58BD87BC-804B-4C58-B879-4CB99364C123}" srcOrd="1" destOrd="0" presId="urn:microsoft.com/office/officeart/2005/8/layout/orgChart1"/>
     <dgm:cxn modelId="{F87B36F7-BC62-4E0B-88B0-47CBCC2D0DB6}" type="presOf" srcId="{16C5A2A5-6852-4791-A406-C8A6AB3EB4CA}" destId="{CF81FC50-5925-44BE-B20B-29F815938336}" srcOrd="0" destOrd="0" presId="urn:microsoft.com/office/officeart/2005/8/layout/orgChart1"/>
     <dgm:cxn modelId="{530047FF-B082-4022-B408-82D15080296B}" type="presOf" srcId="{65ACCE1D-3BD4-4927-A396-2D6CF96BDFBC}" destId="{D37B394A-D89D-4E25-AF9E-8F0906EC8762}" srcOrd="0" destOrd="0" presId="urn:microsoft.com/office/officeart/2005/8/layout/orgChart1"/>
     <dgm:cxn modelId="{21B58D87-99CB-4DE5-929D-4C7E2650DA2F}" type="presParOf" srcId="{C425EC0C-C896-48FB-928D-80877C72E630}" destId="{6A8999E0-D0D2-4979-BF64-F9FDC364158E}" srcOrd="0" destOrd="0" presId="urn:microsoft.com/office/officeart/2005/8/layout/orgChart1"/>
@@ -1842,13 +1753,6 @@
     <dgm:cxn modelId="{B3CA74E3-C13D-4F25-A5A5-2EA566959DEC}" type="presParOf" srcId="{20D40640-60A4-4F55-B2C8-BFF6DA4DB6D6}" destId="{984FD0E1-2D92-47EA-BCDD-9D8C52305717}" srcOrd="1" destOrd="0" presId="urn:microsoft.com/office/officeart/2005/8/layout/orgChart1"/>
     <dgm:cxn modelId="{8B1524F5-B39D-4C99-8D4C-D6BCA5477F5E}" type="presParOf" srcId="{2FA24DC3-093D-4E97-AC4D-D6632FAE5CEA}" destId="{092CD1C3-AD72-4031-9F94-89D01E74FB8F}" srcOrd="1" destOrd="0" presId="urn:microsoft.com/office/officeart/2005/8/layout/orgChart1"/>
     <dgm:cxn modelId="{7F1CF285-9C87-4E9E-A9C1-7CD8481777FB}" type="presParOf" srcId="{2FA24DC3-093D-4E97-AC4D-D6632FAE5CEA}" destId="{2645CE66-0330-4A3A-B406-BC2CA64E4E1A}" srcOrd="2" destOrd="0" presId="urn:microsoft.com/office/officeart/2005/8/layout/orgChart1"/>
-    <dgm:cxn modelId="{D282EEFC-AFA1-4F27-9CB7-A2FBAF8F72DD}" type="presParOf" srcId="{E42E69ED-97BC-48D3-85B3-70CB7FF71612}" destId="{766A2A21-0D15-4F6A-BAC5-DCC66DECCA26}" srcOrd="4" destOrd="0" presId="urn:microsoft.com/office/officeart/2005/8/layout/orgChart1"/>
-    <dgm:cxn modelId="{CC8D58F6-6DAF-4B9C-B591-3C9AEF918FFC}" type="presParOf" srcId="{E42E69ED-97BC-48D3-85B3-70CB7FF71612}" destId="{57B28507-EF20-4BD0-AAD2-52935CE9B9F1}" srcOrd="5" destOrd="0" presId="urn:microsoft.com/office/officeart/2005/8/layout/orgChart1"/>
-    <dgm:cxn modelId="{278F4F3E-F2C6-4FD7-978C-0657C8276E7D}" type="presParOf" srcId="{57B28507-EF20-4BD0-AAD2-52935CE9B9F1}" destId="{41E512F7-5B7E-4D60-95F8-87E3AF92D337}" srcOrd="0" destOrd="0" presId="urn:microsoft.com/office/officeart/2005/8/layout/orgChart1"/>
-    <dgm:cxn modelId="{69F31D34-961F-4CFE-9189-A007BB0485C7}" type="presParOf" srcId="{41E512F7-5B7E-4D60-95F8-87E3AF92D337}" destId="{B1283B8D-F63F-4592-B129-6B0CC29A4F9E}" srcOrd="0" destOrd="0" presId="urn:microsoft.com/office/officeart/2005/8/layout/orgChart1"/>
-    <dgm:cxn modelId="{8AB1A6E9-3033-4058-9359-60DF1DBB8353}" type="presParOf" srcId="{41E512F7-5B7E-4D60-95F8-87E3AF92D337}" destId="{58BD87BC-804B-4C58-B879-4CB99364C123}" srcOrd="1" destOrd="0" presId="urn:microsoft.com/office/officeart/2005/8/layout/orgChart1"/>
-    <dgm:cxn modelId="{EC54ADF9-6A28-4DF6-B006-334AC30B2265}" type="presParOf" srcId="{57B28507-EF20-4BD0-AAD2-52935CE9B9F1}" destId="{BBD21925-EA78-472C-8564-34C9D9ADF5BD}" srcOrd="1" destOrd="0" presId="urn:microsoft.com/office/officeart/2005/8/layout/orgChart1"/>
-    <dgm:cxn modelId="{3139A047-E7BA-4B62-A484-3A89FFBFC83B}" type="presParOf" srcId="{57B28507-EF20-4BD0-AAD2-52935CE9B9F1}" destId="{A8C1AA79-F72A-435F-AB4F-3EAE4E1EB188}" srcOrd="2" destOrd="0" presId="urn:microsoft.com/office/officeart/2005/8/layout/orgChart1"/>
     <dgm:cxn modelId="{89FF751B-2691-43EF-BF90-C5D0CC1E7954}" type="presParOf" srcId="{D46FA846-263F-443A-A843-00FB51B2F2CE}" destId="{EAAE914B-E388-4EC8-B530-3A99BD8EFEEC}" srcOrd="2" destOrd="0" presId="urn:microsoft.com/office/officeart/2005/8/layout/orgChart1"/>
     <dgm:cxn modelId="{65AFB13E-CBB2-48D5-96FD-CBCBD485F139}" type="presParOf" srcId="{96BF84BC-FFB6-4FCF-807C-F0C2B4A15322}" destId="{096189C1-DA8D-48D6-8880-7BF514A3200A}" srcOrd="6" destOrd="0" presId="urn:microsoft.com/office/officeart/2005/8/layout/orgChart1"/>
     <dgm:cxn modelId="{2C0E6484-419C-497B-B3A8-78C679A43C8C}" type="presParOf" srcId="{96BF84BC-FFB6-4FCF-807C-F0C2B4A15322}" destId="{E1BB378C-289E-4C13-AE2D-EAC4F368FC04}" srcOrd="7" destOrd="0" presId="urn:microsoft.com/office/officeart/2005/8/layout/orgChart1"/>
@@ -2110,64 +2014,6 @@
           <a:solidFill>
             <a:schemeClr val="accent1">
               <a:shade val="60000"/>
-              <a:hueOff val="0"/>
-              <a:satOff val="0"/>
-              <a:lumOff val="0"/>
-              <a:alphaOff val="0"/>
-            </a:schemeClr>
-          </a:solidFill>
-          <a:prstDash val="solid"/>
-        </a:ln>
-        <a:effectLst/>
-      </dsp:spPr>
-      <dsp:style>
-        <a:lnRef idx="2">
-          <a:scrgbClr r="0" g="0" b="0"/>
-        </a:lnRef>
-        <a:fillRef idx="0">
-          <a:scrgbClr r="0" g="0" b="0"/>
-        </a:fillRef>
-        <a:effectRef idx="0">
-          <a:scrgbClr r="0" g="0" b="0"/>
-        </a:effectRef>
-        <a:fontRef idx="minor"/>
-      </dsp:style>
-    </dsp:sp>
-    <dsp:sp modelId="{766A2A21-0D15-4F6A-BAC5-DCC66DECCA26}">
-      <dsp:nvSpPr>
-        <dsp:cNvPr id="0" name=""/>
-        <dsp:cNvSpPr/>
-      </dsp:nvSpPr>
-      <dsp:spPr>
-        <a:xfrm>
-          <a:off x="4886861" y="1292576"/>
-          <a:ext cx="159795" cy="2002772"/>
-        </a:xfrm>
-        <a:custGeom>
-          <a:avLst/>
-          <a:gdLst/>
-          <a:ahLst/>
-          <a:cxnLst/>
-          <a:rect l="0" t="0" r="0" b="0"/>
-          <a:pathLst>
-            <a:path>
-              <a:moveTo>
-                <a:pt x="0" y="0"/>
-              </a:moveTo>
-              <a:lnTo>
-                <a:pt x="0" y="2002772"/>
-              </a:lnTo>
-              <a:lnTo>
-                <a:pt x="159795" y="2002772"/>
-              </a:lnTo>
-            </a:path>
-          </a:pathLst>
-        </a:custGeom>
-        <a:noFill/>
-        <a:ln w="15875" cap="flat" cmpd="sng" algn="ctr">
-          <a:solidFill>
-            <a:schemeClr val="accent1">
-              <a:shade val="80000"/>
               <a:hueOff val="0"/>
               <a:satOff val="0"/>
               <a:lumOff val="0"/>
@@ -2774,13 +2620,8 @@
           </a:pPr>
           <a:r>
             <a:rPr lang="ru-RU" sz="900" kern="1200" dirty="0"/>
-            <a:t>Сервис </a:t>
+            <a:t>Сервис ресурсов</a:t>
           </a:r>
-          <a:r>
-            <a:rPr lang="en-US" sz="900" kern="1200" dirty="0"/>
-            <a:t>WEB API</a:t>
-          </a:r>
-          <a:endParaRPr lang="ru-RU" sz="900" kern="1200" dirty="0"/>
         </a:p>
       </dsp:txBody>
       <dsp:txXfrm>
@@ -2937,90 +2778,6 @@
       </dsp:txBody>
       <dsp:txXfrm>
         <a:off x="5046657" y="2272656"/>
-        <a:ext cx="1065304" cy="532652"/>
-      </dsp:txXfrm>
-    </dsp:sp>
-    <dsp:sp modelId="{B1283B8D-F63F-4592-B129-6B0CC29A4F9E}">
-      <dsp:nvSpPr>
-        <dsp:cNvPr id="0" name=""/>
-        <dsp:cNvSpPr/>
-      </dsp:nvSpPr>
-      <dsp:spPr>
-        <a:xfrm>
-          <a:off x="5046657" y="3029022"/>
-          <a:ext cx="1065304" cy="532652"/>
-        </a:xfrm>
-        <a:prstGeom prst="rect">
-          <a:avLst/>
-        </a:prstGeom>
-        <a:solidFill>
-          <a:schemeClr val="tx1"/>
-        </a:solidFill>
-        <a:ln w="15875" cap="flat" cmpd="sng" algn="ctr">
-          <a:solidFill>
-            <a:schemeClr val="lt1">
-              <a:hueOff val="0"/>
-              <a:satOff val="0"/>
-              <a:lumOff val="0"/>
-              <a:alphaOff val="0"/>
-            </a:schemeClr>
-          </a:solidFill>
-          <a:prstDash val="solid"/>
-        </a:ln>
-        <a:effectLst/>
-      </dsp:spPr>
-      <dsp:style>
-        <a:lnRef idx="2">
-          <a:scrgbClr r="0" g="0" b="0"/>
-        </a:lnRef>
-        <a:fillRef idx="1">
-          <a:scrgbClr r="0" g="0" b="0"/>
-        </a:fillRef>
-        <a:effectRef idx="0">
-          <a:scrgbClr r="0" g="0" b="0"/>
-        </a:effectRef>
-        <a:fontRef idx="minor">
-          <a:schemeClr val="lt1"/>
-        </a:fontRef>
-      </dsp:style>
-      <dsp:txBody>
-        <a:bodyPr spcFirstLastPara="0" vert="horz" wrap="square" lIns="5715" tIns="5715" rIns="5715" bIns="5715" numCol="1" spcCol="1270" anchor="ctr" anchorCtr="0">
-          <a:noAutofit/>
-        </a:bodyPr>
-        <a:lstStyle/>
-        <a:p>
-          <a:pPr marL="0" lvl="0" indent="0" algn="ctr" defTabSz="400050">
-            <a:lnSpc>
-              <a:spcPct val="90000"/>
-            </a:lnSpc>
-            <a:spcBef>
-              <a:spcPct val="0"/>
-            </a:spcBef>
-            <a:spcAft>
-              <a:spcPct val="35000"/>
-            </a:spcAft>
-            <a:buNone/>
-          </a:pPr>
-          <a:r>
-            <a:rPr lang="en-US" sz="900" kern="1200" dirty="0">
-              <a:solidFill>
-                <a:schemeClr val="bg1"/>
-              </a:solidFill>
-            </a:rPr>
-            <a:t>PUSH-</a:t>
-          </a:r>
-          <a:r>
-            <a:rPr lang="ru-RU" sz="900" kern="1200" dirty="0">
-              <a:solidFill>
-                <a:schemeClr val="bg1"/>
-              </a:solidFill>
-            </a:rPr>
-            <a:t>уведомления</a:t>
-          </a:r>
-        </a:p>
-      </dsp:txBody>
-      <dsp:txXfrm>
-        <a:off x="5046657" y="3029022"/>
         <a:ext cx="1065304" cy="532652"/>
       </dsp:txXfrm>
     </dsp:sp>
@@ -5504,6 +5261,355 @@
 </dgm:styleDef>
 </file>
 
+<file path=ppt/notesMasters/notesMaster1.xml><?xml version="1.0" encoding="utf-8"?>
+<p:notesMaster xmlns:a="http://schemas.openxmlformats.org/drawingml/2006/main" xmlns:r="http://schemas.openxmlformats.org/officeDocument/2006/relationships" xmlns:p="http://schemas.openxmlformats.org/presentationml/2006/main">
+  <p:cSld>
+    <p:bg>
+      <p:bgRef idx="1001">
+        <a:schemeClr val="bg1"/>
+      </p:bgRef>
+    </p:bg>
+    <p:spTree>
+      <p:nvGrpSpPr>
+        <p:cNvPr id="1" name=""/>
+        <p:cNvGrpSpPr/>
+        <p:nvPr/>
+      </p:nvGrpSpPr>
+      <p:grpSpPr>
+        <a:xfrm>
+          <a:off x="0" y="0"/>
+          <a:ext cx="0" cy="0"/>
+          <a:chOff x="0" y="0"/>
+          <a:chExt cx="0" cy="0"/>
+        </a:xfrm>
+      </p:grpSpPr>
+      <p:sp>
+        <p:nvSpPr>
+          <p:cNvPr id="2" name="Верхний колонтитул 1"/>
+          <p:cNvSpPr>
+            <a:spLocks noGrp="1"/>
+          </p:cNvSpPr>
+          <p:nvPr>
+            <p:ph type="hdr" sz="quarter"/>
+          </p:nvPr>
+        </p:nvSpPr>
+        <p:spPr>
+          <a:xfrm>
+            <a:off x="0" y="0"/>
+            <a:ext cx="2971800" cy="458788"/>
+          </a:xfrm>
+          <a:prstGeom prst="rect">
+            <a:avLst/>
+          </a:prstGeom>
+        </p:spPr>
+        <p:txBody>
+          <a:bodyPr vert="horz" lIns="91440" tIns="45720" rIns="91440" bIns="45720" rtlCol="0"/>
+          <a:lstStyle>
+            <a:lvl1pPr algn="l">
+              <a:defRPr sz="1200"/>
+            </a:lvl1pPr>
+          </a:lstStyle>
+          <a:p>
+            <a:endParaRPr lang="ru-RU"/>
+          </a:p>
+        </p:txBody>
+      </p:sp>
+      <p:sp>
+        <p:nvSpPr>
+          <p:cNvPr id="3" name="Дата 2"/>
+          <p:cNvSpPr>
+            <a:spLocks noGrp="1"/>
+          </p:cNvSpPr>
+          <p:nvPr>
+            <p:ph type="dt" idx="1"/>
+          </p:nvPr>
+        </p:nvSpPr>
+        <p:spPr>
+          <a:xfrm>
+            <a:off x="3884613" y="0"/>
+            <a:ext cx="2971800" cy="458788"/>
+          </a:xfrm>
+          <a:prstGeom prst="rect">
+            <a:avLst/>
+          </a:prstGeom>
+        </p:spPr>
+        <p:txBody>
+          <a:bodyPr vert="horz" lIns="91440" tIns="45720" rIns="91440" bIns="45720" rtlCol="0"/>
+          <a:lstStyle>
+            <a:lvl1pPr algn="r">
+              <a:defRPr sz="1200"/>
+            </a:lvl1pPr>
+          </a:lstStyle>
+          <a:p>
+            <a:fld id="{5203C8CA-A229-406B-BB94-4DFDE26F307A}" type="datetimeFigureOut">
+              <a:rPr lang="ru-RU" smtClean="0"/>
+              <a:t>22.05.2020</a:t>
+            </a:fld>
+            <a:endParaRPr lang="ru-RU"/>
+          </a:p>
+        </p:txBody>
+      </p:sp>
+      <p:sp>
+        <p:nvSpPr>
+          <p:cNvPr id="4" name="Образ слайда 3"/>
+          <p:cNvSpPr>
+            <a:spLocks noGrp="1" noRot="1" noChangeAspect="1"/>
+          </p:cNvSpPr>
+          <p:nvPr>
+            <p:ph type="sldImg" idx="2"/>
+          </p:nvPr>
+        </p:nvSpPr>
+        <p:spPr>
+          <a:xfrm>
+            <a:off x="685800" y="1143000"/>
+            <a:ext cx="5486400" cy="3086100"/>
+          </a:xfrm>
+          <a:prstGeom prst="rect">
+            <a:avLst/>
+          </a:prstGeom>
+          <a:noFill/>
+          <a:ln w="12700">
+            <a:solidFill>
+              <a:prstClr val="black"/>
+            </a:solidFill>
+          </a:ln>
+        </p:spPr>
+        <p:txBody>
+          <a:bodyPr vert="horz" lIns="91440" tIns="45720" rIns="91440" bIns="45720" rtlCol="0" anchor="ctr"/>
+          <a:lstStyle/>
+          <a:p>
+            <a:endParaRPr lang="ru-RU"/>
+          </a:p>
+        </p:txBody>
+      </p:sp>
+      <p:sp>
+        <p:nvSpPr>
+          <p:cNvPr id="5" name="Заметки 4"/>
+          <p:cNvSpPr>
+            <a:spLocks noGrp="1"/>
+          </p:cNvSpPr>
+          <p:nvPr>
+            <p:ph type="body" sz="quarter" idx="3"/>
+          </p:nvPr>
+        </p:nvSpPr>
+        <p:spPr>
+          <a:xfrm>
+            <a:off x="685800" y="4400550"/>
+            <a:ext cx="5486400" cy="3600450"/>
+          </a:xfrm>
+          <a:prstGeom prst="rect">
+            <a:avLst/>
+          </a:prstGeom>
+        </p:spPr>
+        <p:txBody>
+          <a:bodyPr vert="horz" lIns="91440" tIns="45720" rIns="91440" bIns="45720" rtlCol="0"/>
+          <a:lstStyle/>
+          <a:p>
+            <a:pPr lvl="0"/>
+            <a:r>
+              <a:rPr lang="ru-RU"/>
+              <a:t>Образец текста</a:t>
+            </a:r>
+          </a:p>
+          <a:p>
+            <a:pPr lvl="1"/>
+            <a:r>
+              <a:rPr lang="ru-RU"/>
+              <a:t>Второй уровень</a:t>
+            </a:r>
+          </a:p>
+          <a:p>
+            <a:pPr lvl="2"/>
+            <a:r>
+              <a:rPr lang="ru-RU"/>
+              <a:t>Третий уровень</a:t>
+            </a:r>
+          </a:p>
+          <a:p>
+            <a:pPr lvl="3"/>
+            <a:r>
+              <a:rPr lang="ru-RU"/>
+              <a:t>Четвертый уровень</a:t>
+            </a:r>
+          </a:p>
+          <a:p>
+            <a:pPr lvl="4"/>
+            <a:r>
+              <a:rPr lang="ru-RU"/>
+              <a:t>Пятый уровень</a:t>
+            </a:r>
+          </a:p>
+        </p:txBody>
+      </p:sp>
+      <p:sp>
+        <p:nvSpPr>
+          <p:cNvPr id="6" name="Нижний колонтитул 5"/>
+          <p:cNvSpPr>
+            <a:spLocks noGrp="1"/>
+          </p:cNvSpPr>
+          <p:nvPr>
+            <p:ph type="ftr" sz="quarter" idx="4"/>
+          </p:nvPr>
+        </p:nvSpPr>
+        <p:spPr>
+          <a:xfrm>
+            <a:off x="0" y="8685213"/>
+            <a:ext cx="2971800" cy="458787"/>
+          </a:xfrm>
+          <a:prstGeom prst="rect">
+            <a:avLst/>
+          </a:prstGeom>
+        </p:spPr>
+        <p:txBody>
+          <a:bodyPr vert="horz" lIns="91440" tIns="45720" rIns="91440" bIns="45720" rtlCol="0" anchor="b"/>
+          <a:lstStyle>
+            <a:lvl1pPr algn="l">
+              <a:defRPr sz="1200"/>
+            </a:lvl1pPr>
+          </a:lstStyle>
+          <a:p>
+            <a:endParaRPr lang="ru-RU"/>
+          </a:p>
+        </p:txBody>
+      </p:sp>
+      <p:sp>
+        <p:nvSpPr>
+          <p:cNvPr id="7" name="Номер слайда 6"/>
+          <p:cNvSpPr>
+            <a:spLocks noGrp="1"/>
+          </p:cNvSpPr>
+          <p:nvPr>
+            <p:ph type="sldNum" sz="quarter" idx="5"/>
+          </p:nvPr>
+        </p:nvSpPr>
+        <p:spPr>
+          <a:xfrm>
+            <a:off x="3884613" y="8685213"/>
+            <a:ext cx="2971800" cy="458787"/>
+          </a:xfrm>
+          <a:prstGeom prst="rect">
+            <a:avLst/>
+          </a:prstGeom>
+        </p:spPr>
+        <p:txBody>
+          <a:bodyPr vert="horz" lIns="91440" tIns="45720" rIns="91440" bIns="45720" rtlCol="0" anchor="b"/>
+          <a:lstStyle>
+            <a:lvl1pPr algn="r">
+              <a:defRPr sz="1200"/>
+            </a:lvl1pPr>
+          </a:lstStyle>
+          <a:p>
+            <a:fld id="{F7D0058F-6E6B-49AA-84C5-4A9BDD4B4A47}" type="slidenum">
+              <a:rPr lang="ru-RU" smtClean="0"/>
+              <a:t>‹#›</a:t>
+            </a:fld>
+            <a:endParaRPr lang="ru-RU"/>
+          </a:p>
+        </p:txBody>
+      </p:sp>
+    </p:spTree>
+    <p:extLst>
+      <p:ext uri="{BB962C8B-B14F-4D97-AF65-F5344CB8AC3E}">
+        <p14:creationId xmlns:p14="http://schemas.microsoft.com/office/powerpoint/2010/main" val="1403684536"/>
+      </p:ext>
+    </p:extLst>
+  </p:cSld>
+  <p:clrMap bg1="lt1" tx1="dk1" bg2="lt2" tx2="dk2" accent1="accent1" accent2="accent2" accent3="accent3" accent4="accent4" accent5="accent5" accent6="accent6" hlink="hlink" folHlink="folHlink"/>
+  <p:notesStyle>
+    <a:lvl1pPr marL="0" algn="l" defTabSz="914400" rtl="0" eaLnBrk="1" latinLnBrk="0" hangingPunct="1">
+      <a:defRPr sz="1200" kern="1200">
+        <a:solidFill>
+          <a:schemeClr val="tx1"/>
+        </a:solidFill>
+        <a:latin typeface="+mn-lt"/>
+        <a:ea typeface="+mn-ea"/>
+        <a:cs typeface="+mn-cs"/>
+      </a:defRPr>
+    </a:lvl1pPr>
+    <a:lvl2pPr marL="457200" algn="l" defTabSz="914400" rtl="0" eaLnBrk="1" latinLnBrk="0" hangingPunct="1">
+      <a:defRPr sz="1200" kern="1200">
+        <a:solidFill>
+          <a:schemeClr val="tx1"/>
+        </a:solidFill>
+        <a:latin typeface="+mn-lt"/>
+        <a:ea typeface="+mn-ea"/>
+        <a:cs typeface="+mn-cs"/>
+      </a:defRPr>
+    </a:lvl2pPr>
+    <a:lvl3pPr marL="914400" algn="l" defTabSz="914400" rtl="0" eaLnBrk="1" latinLnBrk="0" hangingPunct="1">
+      <a:defRPr sz="1200" kern="1200">
+        <a:solidFill>
+          <a:schemeClr val="tx1"/>
+        </a:solidFill>
+        <a:latin typeface="+mn-lt"/>
+        <a:ea typeface="+mn-ea"/>
+        <a:cs typeface="+mn-cs"/>
+      </a:defRPr>
+    </a:lvl3pPr>
+    <a:lvl4pPr marL="1371600" algn="l" defTabSz="914400" rtl="0" eaLnBrk="1" latinLnBrk="0" hangingPunct="1">
+      <a:defRPr sz="1200" kern="1200">
+        <a:solidFill>
+          <a:schemeClr val="tx1"/>
+        </a:solidFill>
+        <a:latin typeface="+mn-lt"/>
+        <a:ea typeface="+mn-ea"/>
+        <a:cs typeface="+mn-cs"/>
+      </a:defRPr>
+    </a:lvl4pPr>
+    <a:lvl5pPr marL="1828800" algn="l" defTabSz="914400" rtl="0" eaLnBrk="1" latinLnBrk="0" hangingPunct="1">
+      <a:defRPr sz="1200" kern="1200">
+        <a:solidFill>
+          <a:schemeClr val="tx1"/>
+        </a:solidFill>
+        <a:latin typeface="+mn-lt"/>
+        <a:ea typeface="+mn-ea"/>
+        <a:cs typeface="+mn-cs"/>
+      </a:defRPr>
+    </a:lvl5pPr>
+    <a:lvl6pPr marL="2286000" algn="l" defTabSz="914400" rtl="0" eaLnBrk="1" latinLnBrk="0" hangingPunct="1">
+      <a:defRPr sz="1200" kern="1200">
+        <a:solidFill>
+          <a:schemeClr val="tx1"/>
+        </a:solidFill>
+        <a:latin typeface="+mn-lt"/>
+        <a:ea typeface="+mn-ea"/>
+        <a:cs typeface="+mn-cs"/>
+      </a:defRPr>
+    </a:lvl6pPr>
+    <a:lvl7pPr marL="2743200" algn="l" defTabSz="914400" rtl="0" eaLnBrk="1" latinLnBrk="0" hangingPunct="1">
+      <a:defRPr sz="1200" kern="1200">
+        <a:solidFill>
+          <a:schemeClr val="tx1"/>
+        </a:solidFill>
+        <a:latin typeface="+mn-lt"/>
+        <a:ea typeface="+mn-ea"/>
+        <a:cs typeface="+mn-cs"/>
+      </a:defRPr>
+    </a:lvl7pPr>
+    <a:lvl8pPr marL="3200400" algn="l" defTabSz="914400" rtl="0" eaLnBrk="1" latinLnBrk="0" hangingPunct="1">
+      <a:defRPr sz="1200" kern="1200">
+        <a:solidFill>
+          <a:schemeClr val="tx1"/>
+        </a:solidFill>
+        <a:latin typeface="+mn-lt"/>
+        <a:ea typeface="+mn-ea"/>
+        <a:cs typeface="+mn-cs"/>
+      </a:defRPr>
+    </a:lvl8pPr>
+    <a:lvl9pPr marL="3657600" algn="l" defTabSz="914400" rtl="0" eaLnBrk="1" latinLnBrk="0" hangingPunct="1">
+      <a:defRPr sz="1200" kern="1200">
+        <a:solidFill>
+          <a:schemeClr val="tx1"/>
+        </a:solidFill>
+        <a:latin typeface="+mn-lt"/>
+        <a:ea typeface="+mn-ea"/>
+        <a:cs typeface="+mn-cs"/>
+      </a:defRPr>
+    </a:lvl9pPr>
+  </p:notesStyle>
+</p:notesMaster>
+</file>
+
 <file path=ppt/slideLayouts/slideLayout1.xml><?xml version="1.0" encoding="utf-8"?>
 <p:sldLayout xmlns:a="http://schemas.openxmlformats.org/drawingml/2006/main" xmlns:r="http://schemas.openxmlformats.org/officeDocument/2006/relationships" xmlns:p="http://schemas.openxmlformats.org/presentationml/2006/main" showMasterSp="0" type="title" preserve="1">
   <p:cSld name="Титульный слайд">
@@ -14297,7 +14403,7 @@
           <a:p>
             <a:fld id="{073ED0CC-082F-4160-86E5-0D6041F12778}" type="datetime1">
               <a:rPr lang="en-US" smtClean="0"/>
-              <a:t>4/29/2020</a:t>
+              <a:t>5/22/2020</a:t>
             </a:fld>
             <a:endParaRPr lang="en-US" dirty="0"/>
           </a:p>
@@ -14505,7 +14611,7 @@
           <a:p>
             <a:fld id="{073ED0CC-082F-4160-86E5-0D6041F12778}" type="datetime1">
               <a:rPr lang="en-US" smtClean="0"/>
-              <a:t>4/29/2020</a:t>
+              <a:t>5/22/2020</a:t>
             </a:fld>
             <a:endParaRPr lang="en-US" dirty="0"/>
           </a:p>
@@ -14686,7 +14792,7 @@
           <a:p>
             <a:fld id="{073ED0CC-082F-4160-86E5-0D6041F12778}" type="datetime1">
               <a:rPr lang="en-US" smtClean="0"/>
-              <a:t>4/29/2020</a:t>
+              <a:t>5/22/2020</a:t>
             </a:fld>
             <a:endParaRPr lang="en-US" dirty="0"/>
           </a:p>
@@ -14892,7 +14998,7 @@
           <a:p>
             <a:fld id="{073ED0CC-082F-4160-86E5-0D6041F12778}" type="datetime1">
               <a:rPr lang="en-US" smtClean="0"/>
-              <a:t>4/29/2020</a:t>
+              <a:t>5/22/2020</a:t>
             </a:fld>
             <a:endParaRPr lang="en-US" dirty="0"/>
           </a:p>
@@ -23791,7 +23897,7 @@
           <a:p>
             <a:fld id="{073ED0CC-082F-4160-86E5-0D6041F12778}" type="datetime1">
               <a:rPr lang="en-US" smtClean="0"/>
-              <a:t>4/29/2020</a:t>
+              <a:t>5/22/2020</a:t>
             </a:fld>
             <a:endParaRPr lang="en-US" dirty="0"/>
           </a:p>
@@ -24066,7 +24172,7 @@
           <a:p>
             <a:fld id="{073ED0CC-082F-4160-86E5-0D6041F12778}" type="datetime1">
               <a:rPr lang="en-US" smtClean="0"/>
-              <a:t>4/29/2020</a:t>
+              <a:t>5/22/2020</a:t>
             </a:fld>
             <a:endParaRPr lang="en-US" dirty="0"/>
           </a:p>
@@ -24465,7 +24571,7 @@
           <a:p>
             <a:fld id="{073ED0CC-082F-4160-86E5-0D6041F12778}" type="datetime1">
               <a:rPr lang="en-US" smtClean="0"/>
-              <a:t>4/29/2020</a:t>
+              <a:t>5/22/2020</a:t>
             </a:fld>
             <a:endParaRPr lang="en-US" dirty="0"/>
           </a:p>
@@ -24584,7 +24690,7 @@
           <a:p>
             <a:fld id="{073ED0CC-082F-4160-86E5-0D6041F12778}" type="datetime1">
               <a:rPr lang="en-US" smtClean="0"/>
-              <a:t>4/29/2020</a:t>
+              <a:t>5/22/2020</a:t>
             </a:fld>
             <a:endParaRPr lang="en-US" dirty="0"/>
           </a:p>
@@ -24680,7 +24786,7 @@
           <a:p>
             <a:fld id="{073ED0CC-082F-4160-86E5-0D6041F12778}" type="datetime1">
               <a:rPr lang="en-US" smtClean="0"/>
-              <a:t>4/29/2020</a:t>
+              <a:t>5/22/2020</a:t>
             </a:fld>
             <a:endParaRPr lang="en-US" dirty="0"/>
           </a:p>
@@ -24971,7 +25077,7 @@
           <a:p>
             <a:fld id="{073ED0CC-082F-4160-86E5-0D6041F12778}" type="datetime1">
               <a:rPr lang="en-US" smtClean="0"/>
-              <a:t>4/29/2020</a:t>
+              <a:t>5/22/2020</a:t>
             </a:fld>
             <a:endParaRPr lang="en-US" dirty="0"/>
           </a:p>
@@ -25252,7 +25358,7 @@
           <a:p>
             <a:fld id="{073ED0CC-082F-4160-86E5-0D6041F12778}" type="datetime1">
               <a:rPr lang="en-US" smtClean="0"/>
-              <a:t>4/29/2020</a:t>
+              <a:t>5/22/2020</a:t>
             </a:fld>
             <a:endParaRPr lang="en-US" dirty="0"/>
           </a:p>
@@ -25503,7 +25609,7 @@
           <a:p>
             <a:fld id="{073ED0CC-082F-4160-86E5-0D6041F12778}" type="datetime1">
               <a:rPr lang="en-US" smtClean="0"/>
-              <a:t>4/29/2020</a:t>
+              <a:t>5/22/2020</a:t>
             </a:fld>
             <a:endParaRPr lang="en-US" dirty="0"/>
           </a:p>
@@ -26043,7 +26149,7 @@
             </a:br>
             <a:r>
               <a:rPr lang="ru-RU" sz="2800" dirty="0"/>
-              <a:t>к выпускной квалификационной работе бакалавра на тему «Система управления учебным процессом»</a:t>
+              <a:t>к выпускной квалификационной работе бакалавра на тему «Система управления учебным процессом. Серверная часть»</a:t>
             </a:r>
           </a:p>
         </p:txBody>
@@ -26074,7 +26180,7 @@
             </a:pPr>
             <a:r>
               <a:rPr lang="ru-RU" dirty="0"/>
-              <a:t>Авторы: Поздеев Максим Львович (группа Б0</a:t>
+              <a:t>Автор: Поздеев Максим Львович (группа Б0</a:t>
             </a:r>
             <a:r>
               <a:rPr lang="en-US" dirty="0"/>
@@ -26082,15 +26188,7 @@
             </a:r>
             <a:r>
               <a:rPr lang="ru-RU" dirty="0"/>
-              <a:t>-191-2), Зырянов Иван Олегович (группа Б0</a:t>
-            </a:r>
-            <a:r>
-              <a:rPr lang="en-US" dirty="0"/>
-              <a:t>8</a:t>
-            </a:r>
-            <a:r>
-              <a:rPr lang="ru-RU" dirty="0"/>
-              <a:t>-191-2)</a:t>
+              <a:t>-191-2) </a:t>
             </a:r>
           </a:p>
           <a:p>
@@ -26101,6 +26199,40 @@
               <a:rPr lang="ru-RU" dirty="0"/>
               <a:t>Руководитель: Султанов Равиль Олегович</a:t>
             </a:r>
+          </a:p>
+        </p:txBody>
+      </p:sp>
+      <p:sp>
+        <p:nvSpPr>
+          <p:cNvPr id="4" name="Нижний колонтитул 3">
+            <a:extLst>
+              <a:ext uri="{FF2B5EF4-FFF2-40B4-BE49-F238E27FC236}">
+                <a16:creationId xmlns:a16="http://schemas.microsoft.com/office/drawing/2014/main" id="{34E99465-FD30-4482-87E9-17D620078D3C}"/>
+              </a:ext>
+            </a:extLst>
+          </p:cNvPr>
+          <p:cNvSpPr>
+            <a:spLocks noGrp="1"/>
+          </p:cNvSpPr>
+          <p:nvPr>
+            <p:ph type="ftr" sz="quarter" idx="11"/>
+          </p:nvPr>
+        </p:nvSpPr>
+        <p:spPr>
+          <a:xfrm>
+            <a:off x="5816055" y="6200409"/>
+            <a:ext cx="5901459" cy="274320"/>
+          </a:xfrm>
+        </p:spPr>
+        <p:txBody>
+          <a:bodyPr/>
+          <a:lstStyle/>
+          <a:p>
+            <a:r>
+              <a:rPr lang="ru-RU" sz="1800" dirty="0"/>
+              <a:t>1</a:t>
+            </a:r>
+            <a:endParaRPr lang="en-US" sz="1800" dirty="0"/>
           </a:p>
         </p:txBody>
       </p:sp>
@@ -26196,6 +26328,40 @@
           </a:prstGeom>
         </p:spPr>
       </p:pic>
+      <p:sp>
+        <p:nvSpPr>
+          <p:cNvPr id="4" name="Нижний колонтитул 3">
+            <a:extLst>
+              <a:ext uri="{FF2B5EF4-FFF2-40B4-BE49-F238E27FC236}">
+                <a16:creationId xmlns:a16="http://schemas.microsoft.com/office/drawing/2014/main" id="{6C53A956-6676-402A-B421-BAD95153CB54}"/>
+              </a:ext>
+            </a:extLst>
+          </p:cNvPr>
+          <p:cNvSpPr>
+            <a:spLocks noGrp="1"/>
+          </p:cNvSpPr>
+          <p:nvPr>
+            <p:ph type="ftr" sz="quarter" idx="11"/>
+          </p:nvPr>
+        </p:nvSpPr>
+        <p:spPr>
+          <a:xfrm>
+            <a:off x="5816055" y="6200409"/>
+            <a:ext cx="5901459" cy="274320"/>
+          </a:xfrm>
+        </p:spPr>
+        <p:txBody>
+          <a:bodyPr/>
+          <a:lstStyle/>
+          <a:p>
+            <a:r>
+              <a:rPr lang="ru-RU" sz="1800" dirty="0"/>
+              <a:t>10</a:t>
+            </a:r>
+            <a:endParaRPr lang="en-US" sz="1800" dirty="0"/>
+          </a:p>
+        </p:txBody>
+      </p:sp>
     </p:spTree>
     <p:extLst>
       <p:ext uri="{BB962C8B-B14F-4D97-AF65-F5344CB8AC3E}">
@@ -26288,10 +26454,798 @@
           </a:prstGeom>
         </p:spPr>
       </p:pic>
+      <p:sp>
+        <p:nvSpPr>
+          <p:cNvPr id="4" name="Нижний колонтитул 3">
+            <a:extLst>
+              <a:ext uri="{FF2B5EF4-FFF2-40B4-BE49-F238E27FC236}">
+                <a16:creationId xmlns:a16="http://schemas.microsoft.com/office/drawing/2014/main" id="{2BAACD65-F5B1-492A-9319-CDC1A3C0F3D2}"/>
+              </a:ext>
+            </a:extLst>
+          </p:cNvPr>
+          <p:cNvSpPr>
+            <a:spLocks noGrp="1"/>
+          </p:cNvSpPr>
+          <p:nvPr>
+            <p:ph type="ftr" sz="quarter" idx="11"/>
+          </p:nvPr>
+        </p:nvSpPr>
+        <p:spPr>
+          <a:xfrm>
+            <a:off x="5816055" y="6200409"/>
+            <a:ext cx="5901459" cy="274320"/>
+          </a:xfrm>
+        </p:spPr>
+        <p:txBody>
+          <a:bodyPr/>
+          <a:lstStyle/>
+          <a:p>
+            <a:r>
+              <a:rPr lang="ru-RU" sz="1800" dirty="0"/>
+              <a:t>11</a:t>
+            </a:r>
+            <a:endParaRPr lang="en-US" sz="1800" dirty="0"/>
+          </a:p>
+        </p:txBody>
+      </p:sp>
     </p:spTree>
     <p:extLst>
       <p:ext uri="{BB962C8B-B14F-4D97-AF65-F5344CB8AC3E}">
         <p14:creationId xmlns:p14="http://schemas.microsoft.com/office/powerpoint/2010/main" val="920463411"/>
+      </p:ext>
+    </p:extLst>
+  </p:cSld>
+  <p:clrMapOvr>
+    <a:masterClrMapping/>
+  </p:clrMapOvr>
+</p:sld>
+</file>
+
+<file path=ppt/slides/slide12.xml><?xml version="1.0" encoding="utf-8"?>
+<p:sld xmlns:a="http://schemas.openxmlformats.org/drawingml/2006/main" xmlns:r="http://schemas.openxmlformats.org/officeDocument/2006/relationships" xmlns:p="http://schemas.openxmlformats.org/presentationml/2006/main">
+  <p:cSld>
+    <p:spTree>
+      <p:nvGrpSpPr>
+        <p:cNvPr id="1" name=""/>
+        <p:cNvGrpSpPr/>
+        <p:nvPr/>
+      </p:nvGrpSpPr>
+      <p:grpSpPr>
+        <a:xfrm>
+          <a:off x="0" y="0"/>
+          <a:ext cx="0" cy="0"/>
+          <a:chOff x="0" y="0"/>
+          <a:chExt cx="0" cy="0"/>
+        </a:xfrm>
+      </p:grpSpPr>
+      <p:sp>
+        <p:nvSpPr>
+          <p:cNvPr id="2" name="Заголовок 1">
+            <a:extLst>
+              <a:ext uri="{FF2B5EF4-FFF2-40B4-BE49-F238E27FC236}">
+                <a16:creationId xmlns:a16="http://schemas.microsoft.com/office/drawing/2014/main" id="{790B108D-7B7E-4B1D-910A-BE22757EDB81}"/>
+              </a:ext>
+            </a:extLst>
+          </p:cNvPr>
+          <p:cNvSpPr>
+            <a:spLocks noGrp="1"/>
+          </p:cNvSpPr>
+          <p:nvPr>
+            <p:ph type="title"/>
+          </p:nvPr>
+        </p:nvSpPr>
+        <p:spPr/>
+        <p:txBody>
+          <a:bodyPr>
+            <a:normAutofit/>
+          </a:bodyPr>
+          <a:lstStyle/>
+          <a:p>
+            <a:r>
+              <a:rPr lang="ru-RU" sz="2800" dirty="0"/>
+              <a:t>Разработка сервиса авторизации. Регистрация</a:t>
+            </a:r>
+          </a:p>
+        </p:txBody>
+      </p:sp>
+      <p:pic>
+        <p:nvPicPr>
+          <p:cNvPr id="15" name="Объект 14">
+            <a:extLst>
+              <a:ext uri="{FF2B5EF4-FFF2-40B4-BE49-F238E27FC236}">
+                <a16:creationId xmlns:a16="http://schemas.microsoft.com/office/drawing/2014/main" id="{A6DDBD98-982C-48F1-9E68-5E683AF77220}"/>
+              </a:ext>
+            </a:extLst>
+          </p:cNvPr>
+          <p:cNvPicPr>
+            <a:picLocks noGrp="1" noChangeAspect="1"/>
+          </p:cNvPicPr>
+          <p:nvPr>
+            <p:ph idx="1"/>
+          </p:nvPr>
+        </p:nvPicPr>
+        <p:blipFill>
+          <a:blip r:embed="rId2"/>
+          <a:stretch>
+            <a:fillRect/>
+          </a:stretch>
+        </p:blipFill>
+        <p:spPr>
+          <a:xfrm>
+            <a:off x="4882575" y="1661020"/>
+            <a:ext cx="1765570" cy="4647706"/>
+          </a:xfrm>
+          <a:prstGeom prst="rect">
+            <a:avLst/>
+          </a:prstGeom>
+        </p:spPr>
+      </p:pic>
+      <p:sp>
+        <p:nvSpPr>
+          <p:cNvPr id="16" name="Нижний колонтитул 3">
+            <a:extLst>
+              <a:ext uri="{FF2B5EF4-FFF2-40B4-BE49-F238E27FC236}">
+                <a16:creationId xmlns:a16="http://schemas.microsoft.com/office/drawing/2014/main" id="{C587850E-038B-4AE3-9953-E9A4F010C1DD}"/>
+              </a:ext>
+            </a:extLst>
+          </p:cNvPr>
+          <p:cNvSpPr>
+            <a:spLocks noGrp="1"/>
+          </p:cNvSpPr>
+          <p:nvPr>
+            <p:ph type="ftr" sz="quarter" idx="11"/>
+          </p:nvPr>
+        </p:nvSpPr>
+        <p:spPr>
+          <a:xfrm>
+            <a:off x="5816055" y="6200409"/>
+            <a:ext cx="5901459" cy="274320"/>
+          </a:xfrm>
+        </p:spPr>
+        <p:txBody>
+          <a:bodyPr/>
+          <a:lstStyle/>
+          <a:p>
+            <a:r>
+              <a:rPr lang="ru-RU" sz="1800" dirty="0"/>
+              <a:t>12</a:t>
+            </a:r>
+            <a:endParaRPr lang="en-US" sz="1800" dirty="0"/>
+          </a:p>
+        </p:txBody>
+      </p:sp>
+    </p:spTree>
+    <p:extLst>
+      <p:ext uri="{BB962C8B-B14F-4D97-AF65-F5344CB8AC3E}">
+        <p14:creationId xmlns:p14="http://schemas.microsoft.com/office/powerpoint/2010/main" val="951135568"/>
+      </p:ext>
+    </p:extLst>
+  </p:cSld>
+  <p:clrMapOvr>
+    <a:masterClrMapping/>
+  </p:clrMapOvr>
+</p:sld>
+</file>
+
+<file path=ppt/slides/slide13.xml><?xml version="1.0" encoding="utf-8"?>
+<p:sld xmlns:a="http://schemas.openxmlformats.org/drawingml/2006/main" xmlns:r="http://schemas.openxmlformats.org/officeDocument/2006/relationships" xmlns:p="http://schemas.openxmlformats.org/presentationml/2006/main">
+  <p:cSld>
+    <p:spTree>
+      <p:nvGrpSpPr>
+        <p:cNvPr id="1" name=""/>
+        <p:cNvGrpSpPr/>
+        <p:nvPr/>
+      </p:nvGrpSpPr>
+      <p:grpSpPr>
+        <a:xfrm>
+          <a:off x="0" y="0"/>
+          <a:ext cx="0" cy="0"/>
+          <a:chOff x="0" y="0"/>
+          <a:chExt cx="0" cy="0"/>
+        </a:xfrm>
+      </p:grpSpPr>
+      <p:sp>
+        <p:nvSpPr>
+          <p:cNvPr id="2" name="Заголовок 1">
+            <a:extLst>
+              <a:ext uri="{FF2B5EF4-FFF2-40B4-BE49-F238E27FC236}">
+                <a16:creationId xmlns:a16="http://schemas.microsoft.com/office/drawing/2014/main" id="{790B108D-7B7E-4B1D-910A-BE22757EDB81}"/>
+              </a:ext>
+            </a:extLst>
+          </p:cNvPr>
+          <p:cNvSpPr>
+            <a:spLocks noGrp="1"/>
+          </p:cNvSpPr>
+          <p:nvPr>
+            <p:ph type="title"/>
+          </p:nvPr>
+        </p:nvSpPr>
+        <p:spPr/>
+        <p:txBody>
+          <a:bodyPr>
+            <a:normAutofit/>
+          </a:bodyPr>
+          <a:lstStyle/>
+          <a:p>
+            <a:r>
+              <a:rPr lang="ru-RU" sz="2800" dirty="0"/>
+              <a:t>Разработка сервиса авторизации. Аутентификация и авторизация</a:t>
+            </a:r>
+          </a:p>
+        </p:txBody>
+      </p:sp>
+      <p:pic>
+        <p:nvPicPr>
+          <p:cNvPr id="5" name="Объект 4">
+            <a:extLst>
+              <a:ext uri="{FF2B5EF4-FFF2-40B4-BE49-F238E27FC236}">
+                <a16:creationId xmlns:a16="http://schemas.microsoft.com/office/drawing/2014/main" id="{B0BA2765-E2FB-4505-AB32-2EB3B4D75C52}"/>
+              </a:ext>
+            </a:extLst>
+          </p:cNvPr>
+          <p:cNvPicPr>
+            <a:picLocks noGrp="1" noChangeAspect="1"/>
+          </p:cNvPicPr>
+          <p:nvPr>
+            <p:ph idx="1"/>
+          </p:nvPr>
+        </p:nvPicPr>
+        <p:blipFill>
+          <a:blip r:embed="rId2"/>
+          <a:stretch>
+            <a:fillRect/>
+          </a:stretch>
+        </p:blipFill>
+        <p:spPr>
+          <a:xfrm>
+            <a:off x="3004994" y="1752600"/>
+            <a:ext cx="1764985" cy="4556125"/>
+          </a:xfrm>
+          <a:prstGeom prst="rect">
+            <a:avLst/>
+          </a:prstGeom>
+        </p:spPr>
+      </p:pic>
+      <p:pic>
+        <p:nvPicPr>
+          <p:cNvPr id="7" name="Рисунок 6">
+            <a:extLst>
+              <a:ext uri="{FF2B5EF4-FFF2-40B4-BE49-F238E27FC236}">
+                <a16:creationId xmlns:a16="http://schemas.microsoft.com/office/drawing/2014/main" id="{1F513C81-0D42-4A1A-ACA7-5B2549B6F04C}"/>
+              </a:ext>
+            </a:extLst>
+          </p:cNvPr>
+          <p:cNvPicPr>
+            <a:picLocks noChangeAspect="1"/>
+          </p:cNvPicPr>
+          <p:nvPr/>
+        </p:nvPicPr>
+        <p:blipFill>
+          <a:blip r:embed="rId3"/>
+          <a:stretch>
+            <a:fillRect/>
+          </a:stretch>
+        </p:blipFill>
+        <p:spPr>
+          <a:xfrm>
+            <a:off x="6310894" y="1788541"/>
+            <a:ext cx="1751062" cy="4520184"/>
+          </a:xfrm>
+          <a:prstGeom prst="rect">
+            <a:avLst/>
+          </a:prstGeom>
+        </p:spPr>
+      </p:pic>
+      <p:sp>
+        <p:nvSpPr>
+          <p:cNvPr id="8" name="Нижний колонтитул 3">
+            <a:extLst>
+              <a:ext uri="{FF2B5EF4-FFF2-40B4-BE49-F238E27FC236}">
+                <a16:creationId xmlns:a16="http://schemas.microsoft.com/office/drawing/2014/main" id="{182D3B6D-EB66-4919-86F8-C108D432EEC2}"/>
+              </a:ext>
+            </a:extLst>
+          </p:cNvPr>
+          <p:cNvSpPr>
+            <a:spLocks noGrp="1"/>
+          </p:cNvSpPr>
+          <p:nvPr>
+            <p:ph type="ftr" sz="quarter" idx="11"/>
+          </p:nvPr>
+        </p:nvSpPr>
+        <p:spPr>
+          <a:xfrm>
+            <a:off x="5816055" y="6200409"/>
+            <a:ext cx="5901459" cy="274320"/>
+          </a:xfrm>
+        </p:spPr>
+        <p:txBody>
+          <a:bodyPr/>
+          <a:lstStyle/>
+          <a:p>
+            <a:r>
+              <a:rPr lang="ru-RU" sz="1800" dirty="0"/>
+              <a:t>13</a:t>
+            </a:r>
+            <a:endParaRPr lang="en-US" sz="1800" dirty="0"/>
+          </a:p>
+        </p:txBody>
+      </p:sp>
+    </p:spTree>
+    <p:extLst>
+      <p:ext uri="{BB962C8B-B14F-4D97-AF65-F5344CB8AC3E}">
+        <p14:creationId xmlns:p14="http://schemas.microsoft.com/office/powerpoint/2010/main" val="1812073065"/>
+      </p:ext>
+    </p:extLst>
+  </p:cSld>
+  <p:clrMapOvr>
+    <a:masterClrMapping/>
+  </p:clrMapOvr>
+</p:sld>
+</file>
+
+<file path=ppt/slides/slide14.xml><?xml version="1.0" encoding="utf-8"?>
+<p:sld xmlns:a="http://schemas.openxmlformats.org/drawingml/2006/main" xmlns:r="http://schemas.openxmlformats.org/officeDocument/2006/relationships" xmlns:p="http://schemas.openxmlformats.org/presentationml/2006/main">
+  <p:cSld>
+    <p:spTree>
+      <p:nvGrpSpPr>
+        <p:cNvPr id="1" name=""/>
+        <p:cNvGrpSpPr/>
+        <p:nvPr/>
+      </p:nvGrpSpPr>
+      <p:grpSpPr>
+        <a:xfrm>
+          <a:off x="0" y="0"/>
+          <a:ext cx="0" cy="0"/>
+          <a:chOff x="0" y="0"/>
+          <a:chExt cx="0" cy="0"/>
+        </a:xfrm>
+      </p:grpSpPr>
+      <p:sp>
+        <p:nvSpPr>
+          <p:cNvPr id="2" name="Заголовок 1">
+            <a:extLst>
+              <a:ext uri="{FF2B5EF4-FFF2-40B4-BE49-F238E27FC236}">
+                <a16:creationId xmlns:a16="http://schemas.microsoft.com/office/drawing/2014/main" id="{790B108D-7B7E-4B1D-910A-BE22757EDB81}"/>
+              </a:ext>
+            </a:extLst>
+          </p:cNvPr>
+          <p:cNvSpPr>
+            <a:spLocks noGrp="1"/>
+          </p:cNvSpPr>
+          <p:nvPr>
+            <p:ph type="title"/>
+          </p:nvPr>
+        </p:nvSpPr>
+        <p:spPr/>
+        <p:txBody>
+          <a:bodyPr>
+            <a:normAutofit/>
+          </a:bodyPr>
+          <a:lstStyle/>
+          <a:p>
+            <a:r>
+              <a:rPr lang="ru-RU" sz="2800" dirty="0"/>
+              <a:t>Разработка сервиса ресурсов</a:t>
+            </a:r>
+          </a:p>
+        </p:txBody>
+      </p:sp>
+      <p:pic>
+        <p:nvPicPr>
+          <p:cNvPr id="9" name="Объект 8">
+            <a:extLst>
+              <a:ext uri="{FF2B5EF4-FFF2-40B4-BE49-F238E27FC236}">
+                <a16:creationId xmlns:a16="http://schemas.microsoft.com/office/drawing/2014/main" id="{761ACF68-C0B9-4254-AA08-C06ECF78F03B}"/>
+              </a:ext>
+            </a:extLst>
+          </p:cNvPr>
+          <p:cNvPicPr>
+            <a:picLocks noGrp="1" noChangeAspect="1"/>
+          </p:cNvPicPr>
+          <p:nvPr>
+            <p:ph idx="1"/>
+          </p:nvPr>
+        </p:nvPicPr>
+        <p:blipFill>
+          <a:blip r:embed="rId2"/>
+          <a:stretch>
+            <a:fillRect/>
+          </a:stretch>
+        </p:blipFill>
+        <p:spPr>
+          <a:xfrm>
+            <a:off x="5339716" y="1807827"/>
+            <a:ext cx="1239707" cy="4022725"/>
+          </a:xfrm>
+          <a:prstGeom prst="rect">
+            <a:avLst/>
+          </a:prstGeom>
+        </p:spPr>
+      </p:pic>
+      <p:sp>
+        <p:nvSpPr>
+          <p:cNvPr id="10" name="Нижний колонтитул 3">
+            <a:extLst>
+              <a:ext uri="{FF2B5EF4-FFF2-40B4-BE49-F238E27FC236}">
+                <a16:creationId xmlns:a16="http://schemas.microsoft.com/office/drawing/2014/main" id="{9EE79B1D-2F4B-4706-AE90-2AAFAA140643}"/>
+              </a:ext>
+            </a:extLst>
+          </p:cNvPr>
+          <p:cNvSpPr>
+            <a:spLocks noGrp="1"/>
+          </p:cNvSpPr>
+          <p:nvPr>
+            <p:ph type="ftr" sz="quarter" idx="11"/>
+          </p:nvPr>
+        </p:nvSpPr>
+        <p:spPr>
+          <a:xfrm>
+            <a:off x="5816055" y="6200409"/>
+            <a:ext cx="5901459" cy="274320"/>
+          </a:xfrm>
+        </p:spPr>
+        <p:txBody>
+          <a:bodyPr/>
+          <a:lstStyle/>
+          <a:p>
+            <a:r>
+              <a:rPr lang="ru-RU" sz="1800" dirty="0"/>
+              <a:t>14</a:t>
+            </a:r>
+            <a:endParaRPr lang="en-US" sz="1800" dirty="0"/>
+          </a:p>
+        </p:txBody>
+      </p:sp>
+    </p:spTree>
+    <p:extLst>
+      <p:ext uri="{BB962C8B-B14F-4D97-AF65-F5344CB8AC3E}">
+        <p14:creationId xmlns:p14="http://schemas.microsoft.com/office/powerpoint/2010/main" val="2420953928"/>
+      </p:ext>
+    </p:extLst>
+  </p:cSld>
+  <p:clrMapOvr>
+    <a:masterClrMapping/>
+  </p:clrMapOvr>
+</p:sld>
+</file>
+
+<file path=ppt/slides/slide15.xml><?xml version="1.0" encoding="utf-8"?>
+<p:sld xmlns:a="http://schemas.openxmlformats.org/drawingml/2006/main" xmlns:r="http://schemas.openxmlformats.org/officeDocument/2006/relationships" xmlns:p="http://schemas.openxmlformats.org/presentationml/2006/main">
+  <p:cSld>
+    <p:spTree>
+      <p:nvGrpSpPr>
+        <p:cNvPr id="1" name=""/>
+        <p:cNvGrpSpPr/>
+        <p:nvPr/>
+      </p:nvGrpSpPr>
+      <p:grpSpPr>
+        <a:xfrm>
+          <a:off x="0" y="0"/>
+          <a:ext cx="0" cy="0"/>
+          <a:chOff x="0" y="0"/>
+          <a:chExt cx="0" cy="0"/>
+        </a:xfrm>
+      </p:grpSpPr>
+      <p:sp>
+        <p:nvSpPr>
+          <p:cNvPr id="3" name="Объект 2">
+            <a:extLst>
+              <a:ext uri="{FF2B5EF4-FFF2-40B4-BE49-F238E27FC236}">
+                <a16:creationId xmlns:a16="http://schemas.microsoft.com/office/drawing/2014/main" id="{276D5777-14C5-4BD7-8B19-D94035306A30}"/>
+              </a:ext>
+            </a:extLst>
+          </p:cNvPr>
+          <p:cNvSpPr>
+            <a:spLocks noGrp="1"/>
+          </p:cNvSpPr>
+          <p:nvPr>
+            <p:ph idx="1"/>
+          </p:nvPr>
+        </p:nvSpPr>
+        <p:spPr>
+          <a:xfrm>
+            <a:off x="1024128" y="847288"/>
+            <a:ext cx="9720073" cy="5462072"/>
+          </a:xfrm>
+        </p:spPr>
+        <p:txBody>
+          <a:bodyPr anchor="ctr">
+            <a:normAutofit/>
+          </a:bodyPr>
+          <a:lstStyle/>
+          <a:p>
+            <a:pPr algn="ctr"/>
+            <a:r>
+              <a:rPr lang="ru-RU" sz="4800" dirty="0"/>
+              <a:t>СПАСИБО ЗА ВНИМАНИЕ</a:t>
+            </a:r>
+          </a:p>
+        </p:txBody>
+      </p:sp>
+      <p:sp>
+        <p:nvSpPr>
+          <p:cNvPr id="4" name="Нижний колонтитул 3">
+            <a:extLst>
+              <a:ext uri="{FF2B5EF4-FFF2-40B4-BE49-F238E27FC236}">
+                <a16:creationId xmlns:a16="http://schemas.microsoft.com/office/drawing/2014/main" id="{FF80C35F-0B93-4E7C-8428-3FE0A1CC48D8}"/>
+              </a:ext>
+            </a:extLst>
+          </p:cNvPr>
+          <p:cNvSpPr>
+            <a:spLocks noGrp="1"/>
+          </p:cNvSpPr>
+          <p:nvPr>
+            <p:ph type="ftr" sz="quarter" idx="11"/>
+          </p:nvPr>
+        </p:nvSpPr>
+        <p:spPr>
+          <a:xfrm>
+            <a:off x="5816055" y="6200409"/>
+            <a:ext cx="5901459" cy="274320"/>
+          </a:xfrm>
+        </p:spPr>
+        <p:txBody>
+          <a:bodyPr/>
+          <a:lstStyle/>
+          <a:p>
+            <a:r>
+              <a:rPr lang="ru-RU" sz="1800" dirty="0"/>
+              <a:t>15</a:t>
+            </a:r>
+            <a:endParaRPr lang="en-US" sz="1800" dirty="0"/>
+          </a:p>
+        </p:txBody>
+      </p:sp>
+    </p:spTree>
+    <p:extLst>
+      <p:ext uri="{BB962C8B-B14F-4D97-AF65-F5344CB8AC3E}">
+        <p14:creationId xmlns:p14="http://schemas.microsoft.com/office/powerpoint/2010/main" val="2928562225"/>
+      </p:ext>
+    </p:extLst>
+  </p:cSld>
+  <p:clrMapOvr>
+    <a:masterClrMapping/>
+  </p:clrMapOvr>
+</p:sld>
+</file>
+
+<file path=ppt/slides/slide16.xml><?xml version="1.0" encoding="utf-8"?>
+<p:sld xmlns:a="http://schemas.openxmlformats.org/drawingml/2006/main" xmlns:r="http://schemas.openxmlformats.org/officeDocument/2006/relationships" xmlns:p="http://schemas.openxmlformats.org/presentationml/2006/main">
+  <p:cSld>
+    <p:spTree>
+      <p:nvGrpSpPr>
+        <p:cNvPr id="1" name=""/>
+        <p:cNvGrpSpPr/>
+        <p:nvPr/>
+      </p:nvGrpSpPr>
+      <p:grpSpPr>
+        <a:xfrm>
+          <a:off x="0" y="0"/>
+          <a:ext cx="0" cy="0"/>
+          <a:chOff x="0" y="0"/>
+          <a:chExt cx="0" cy="0"/>
+        </a:xfrm>
+      </p:grpSpPr>
+      <p:sp>
+        <p:nvSpPr>
+          <p:cNvPr id="2" name="Заголовок 1">
+            <a:extLst>
+              <a:ext uri="{FF2B5EF4-FFF2-40B4-BE49-F238E27FC236}">
+                <a16:creationId xmlns:a16="http://schemas.microsoft.com/office/drawing/2014/main" id="{630E21DB-2555-42D8-BB0F-A8F6A9B78BCF}"/>
+              </a:ext>
+            </a:extLst>
+          </p:cNvPr>
+          <p:cNvSpPr>
+            <a:spLocks noGrp="1"/>
+          </p:cNvSpPr>
+          <p:nvPr>
+            <p:ph type="title"/>
+          </p:nvPr>
+        </p:nvSpPr>
+        <p:spPr/>
+        <p:txBody>
+          <a:bodyPr/>
+          <a:lstStyle/>
+          <a:p>
+            <a:r>
+              <a:rPr lang="ru-RU" dirty="0"/>
+              <a:t>СОДЕРЖАНИЕ</a:t>
+            </a:r>
+          </a:p>
+        </p:txBody>
+      </p:sp>
+      <p:sp>
+        <p:nvSpPr>
+          <p:cNvPr id="3" name="Объект 2">
+            <a:extLst>
+              <a:ext uri="{FF2B5EF4-FFF2-40B4-BE49-F238E27FC236}">
+                <a16:creationId xmlns:a16="http://schemas.microsoft.com/office/drawing/2014/main" id="{02513B6C-8508-49BF-B075-9F7D6F649961}"/>
+              </a:ext>
+            </a:extLst>
+          </p:cNvPr>
+          <p:cNvSpPr>
+            <a:spLocks noGrp="1"/>
+          </p:cNvSpPr>
+          <p:nvPr>
+            <p:ph idx="1"/>
+          </p:nvPr>
+        </p:nvSpPr>
+        <p:spPr>
+          <a:xfrm>
+            <a:off x="1024128" y="1870745"/>
+            <a:ext cx="9720073" cy="4438615"/>
+          </a:xfrm>
+        </p:spPr>
+        <p:txBody>
+          <a:bodyPr/>
+          <a:lstStyle/>
+          <a:p>
+            <a:pPr marL="457200" indent="-457200">
+              <a:buFont typeface="+mj-lt"/>
+              <a:buAutoNum type="arabicParenR"/>
+            </a:pPr>
+            <a:r>
+              <a:rPr lang="ru-RU" dirty="0">
+                <a:hlinkClick r:id="rId2" action="ppaction://hlinksldjump"/>
+              </a:rPr>
+              <a:t>Титульный лист</a:t>
+            </a:r>
+            <a:r>
+              <a:rPr lang="ru-RU" dirty="0"/>
+              <a:t>;</a:t>
+            </a:r>
+          </a:p>
+          <a:p>
+            <a:pPr marL="457200" indent="-457200">
+              <a:buFont typeface="+mj-lt"/>
+              <a:buAutoNum type="arabicParenR"/>
+            </a:pPr>
+            <a:r>
+              <a:rPr lang="ru-RU" dirty="0">
+                <a:hlinkClick r:id="rId3" action="ppaction://hlinksldjump"/>
+              </a:rPr>
+              <a:t>Цель работы;</a:t>
+            </a:r>
+            <a:endParaRPr lang="ru-RU" dirty="0"/>
+          </a:p>
+          <a:p>
+            <a:pPr marL="457200" indent="-457200">
+              <a:buFont typeface="+mj-lt"/>
+              <a:buAutoNum type="arabicParenR"/>
+            </a:pPr>
+            <a:r>
+              <a:rPr lang="ru-RU" dirty="0">
+                <a:hlinkClick r:id="rId4" action="ppaction://hlinksldjump"/>
+              </a:rPr>
+              <a:t>Задачи работы;</a:t>
+            </a:r>
+            <a:endParaRPr lang="ru-RU" dirty="0"/>
+          </a:p>
+          <a:p>
+            <a:pPr marL="457200" indent="-457200">
+              <a:buFont typeface="+mj-lt"/>
+              <a:buAutoNum type="arabicParenR"/>
+            </a:pPr>
+            <a:r>
+              <a:rPr lang="ru-RU" dirty="0">
+                <a:hlinkClick r:id="rId5" action="ppaction://hlinksldjump"/>
+              </a:rPr>
+              <a:t>Анализ предметной области;</a:t>
+            </a:r>
+            <a:endParaRPr lang="ru-RU" dirty="0"/>
+          </a:p>
+          <a:p>
+            <a:pPr marL="457200" indent="-457200">
+              <a:buFont typeface="+mj-lt"/>
+              <a:buAutoNum type="arabicParenR"/>
+            </a:pPr>
+            <a:r>
+              <a:rPr lang="ru-RU" dirty="0">
+                <a:hlinkClick r:id="rId6" action="ppaction://hlinksldjump"/>
+              </a:rPr>
+              <a:t>Проектирование архитектуры системы;</a:t>
+            </a:r>
+            <a:endParaRPr lang="ru-RU" dirty="0"/>
+          </a:p>
+          <a:p>
+            <a:pPr marL="457200" indent="-457200">
+              <a:buFont typeface="+mj-lt"/>
+              <a:buAutoNum type="arabicParenR"/>
+            </a:pPr>
+            <a:r>
+              <a:rPr lang="ru-RU" dirty="0">
+                <a:hlinkClick r:id="rId7" action="ppaction://hlinksldjump"/>
+              </a:rPr>
+              <a:t>Разработка сервиса авторизации;</a:t>
+            </a:r>
+            <a:endParaRPr lang="ru-RU" dirty="0"/>
+          </a:p>
+          <a:p>
+            <a:pPr marL="457200" indent="-457200">
+              <a:buFont typeface="+mj-lt"/>
+              <a:buAutoNum type="arabicParenR"/>
+            </a:pPr>
+            <a:r>
+              <a:rPr lang="ru-RU" dirty="0">
+                <a:hlinkClick r:id="rId8" action="ppaction://hlinksldjump"/>
+              </a:rPr>
+              <a:t>Разработка сервиса ресурсов;</a:t>
+            </a:r>
+            <a:endParaRPr lang="ru-RU" dirty="0"/>
+          </a:p>
+          <a:p>
+            <a:pPr marL="457200" indent="-457200">
+              <a:buFont typeface="+mj-lt"/>
+              <a:buAutoNum type="arabicParenR"/>
+            </a:pPr>
+            <a:r>
+              <a:rPr lang="ru-RU" dirty="0">
+                <a:hlinkClick r:id="rId9" action="ppaction://hlinksldjump"/>
+              </a:rPr>
+              <a:t>Спасибо за внимание;</a:t>
+            </a:r>
+            <a:endParaRPr lang="ru-RU" dirty="0"/>
+          </a:p>
+          <a:p>
+            <a:pPr marL="457200" indent="-457200">
+              <a:buFont typeface="+mj-lt"/>
+              <a:buAutoNum type="arabicParenR"/>
+            </a:pPr>
+            <a:r>
+              <a:rPr lang="ru-RU" dirty="0">
+                <a:hlinkClick r:id="rId10" action="ppaction://hlinksldjump"/>
+              </a:rPr>
+              <a:t>Содержание.</a:t>
+            </a:r>
+            <a:endParaRPr lang="ru-RU" dirty="0"/>
+          </a:p>
+          <a:p>
+            <a:pPr marL="457200" indent="-457200">
+              <a:buFont typeface="+mj-lt"/>
+              <a:buAutoNum type="arabicParenR"/>
+            </a:pPr>
+            <a:endParaRPr lang="ru-RU" dirty="0"/>
+          </a:p>
+        </p:txBody>
+      </p:sp>
+      <p:sp>
+        <p:nvSpPr>
+          <p:cNvPr id="4" name="Нижний колонтитул 3">
+            <a:extLst>
+              <a:ext uri="{FF2B5EF4-FFF2-40B4-BE49-F238E27FC236}">
+                <a16:creationId xmlns:a16="http://schemas.microsoft.com/office/drawing/2014/main" id="{D61DFF97-921E-4F41-BD12-E3DB08AC8915}"/>
+              </a:ext>
+            </a:extLst>
+          </p:cNvPr>
+          <p:cNvSpPr>
+            <a:spLocks noGrp="1"/>
+          </p:cNvSpPr>
+          <p:nvPr>
+            <p:ph type="ftr" sz="quarter" idx="11"/>
+          </p:nvPr>
+        </p:nvSpPr>
+        <p:spPr>
+          <a:xfrm>
+            <a:off x="5816055" y="6200409"/>
+            <a:ext cx="5901459" cy="274320"/>
+          </a:xfrm>
+        </p:spPr>
+        <p:txBody>
+          <a:bodyPr/>
+          <a:lstStyle/>
+          <a:p>
+            <a:r>
+              <a:rPr lang="ru-RU" sz="1800" dirty="0"/>
+              <a:t>16</a:t>
+            </a:r>
+            <a:endParaRPr lang="en-US" sz="1800" dirty="0"/>
+          </a:p>
+        </p:txBody>
+      </p:sp>
+    </p:spTree>
+    <p:extLst>
+      <p:ext uri="{BB962C8B-B14F-4D97-AF65-F5344CB8AC3E}">
+        <p14:creationId xmlns:p14="http://schemas.microsoft.com/office/powerpoint/2010/main" val="3037144539"/>
       </p:ext>
     </p:extLst>
   </p:cSld>
@@ -26391,6 +27345,40 @@
           </a:p>
         </p:txBody>
       </p:sp>
+      <p:sp>
+        <p:nvSpPr>
+          <p:cNvPr id="4" name="Нижний колонтитул 3">
+            <a:extLst>
+              <a:ext uri="{FF2B5EF4-FFF2-40B4-BE49-F238E27FC236}">
+                <a16:creationId xmlns:a16="http://schemas.microsoft.com/office/drawing/2014/main" id="{4F3CFF1E-77C8-4A9F-83F1-FFE96EC7079F}"/>
+              </a:ext>
+            </a:extLst>
+          </p:cNvPr>
+          <p:cNvSpPr>
+            <a:spLocks noGrp="1"/>
+          </p:cNvSpPr>
+          <p:nvPr>
+            <p:ph type="ftr" sz="quarter" idx="11"/>
+          </p:nvPr>
+        </p:nvSpPr>
+        <p:spPr>
+          <a:xfrm>
+            <a:off x="5816055" y="6200409"/>
+            <a:ext cx="5901459" cy="274320"/>
+          </a:xfrm>
+        </p:spPr>
+        <p:txBody>
+          <a:bodyPr/>
+          <a:lstStyle/>
+          <a:p>
+            <a:r>
+              <a:rPr lang="ru-RU" sz="1800" dirty="0"/>
+              <a:t>2</a:t>
+            </a:r>
+            <a:endParaRPr lang="en-US" sz="1800" dirty="0"/>
+          </a:p>
+        </p:txBody>
+      </p:sp>
     </p:spTree>
     <p:extLst>
       <p:ext uri="{BB962C8B-B14F-4D97-AF65-F5344CB8AC3E}">
@@ -26475,7 +27463,7 @@
         </p:spPr>
         <p:txBody>
           <a:bodyPr>
-            <a:normAutofit fontScale="92500" lnSpcReduction="10000"/>
+            <a:normAutofit/>
           </a:bodyPr>
           <a:lstStyle/>
           <a:p>
@@ -26484,7 +27472,7 @@
             </a:pPr>
             <a:r>
               <a:rPr lang="ru-RU" dirty="0"/>
-              <a:t>Разработка базы данных</a:t>
+              <a:t>Проектирование базы данных</a:t>
             </a:r>
           </a:p>
           <a:p>
@@ -26502,53 +27490,42 @@
             </a:pPr>
             <a:r>
               <a:rPr lang="ru-RU" dirty="0"/>
-              <a:t>Разработка сервиса взаимодействия клиента с базой данных</a:t>
+              <a:t>Разработка сервиса ресурсов</a:t>
             </a:r>
           </a:p>
+        </p:txBody>
+      </p:sp>
+      <p:sp>
+        <p:nvSpPr>
+          <p:cNvPr id="4" name="Нижний колонтитул 3">
+            <a:extLst>
+              <a:ext uri="{FF2B5EF4-FFF2-40B4-BE49-F238E27FC236}">
+                <a16:creationId xmlns:a16="http://schemas.microsoft.com/office/drawing/2014/main" id="{BE19B309-E204-4162-84DF-0F4EAF26C673}"/>
+              </a:ext>
+            </a:extLst>
+          </p:cNvPr>
+          <p:cNvSpPr>
+            <a:spLocks noGrp="1"/>
+          </p:cNvSpPr>
+          <p:nvPr>
+            <p:ph type="ftr" sz="quarter" idx="11"/>
+          </p:nvPr>
+        </p:nvSpPr>
+        <p:spPr>
+          <a:xfrm>
+            <a:off x="5816055" y="6200409"/>
+            <a:ext cx="5901459" cy="274320"/>
+          </a:xfrm>
+        </p:spPr>
+        <p:txBody>
+          <a:bodyPr/>
+          <a:lstStyle/>
           <a:p>
-            <a:pPr marL="0" indent="0">
-              <a:buNone/>
-            </a:pPr>
             <a:r>
-              <a:rPr lang="ru-RU" dirty="0"/>
-              <a:t>Разработка клиентских приложений (для мобильных устройств, для ПК)</a:t>
+              <a:rPr lang="ru-RU" sz="1800" dirty="0"/>
+              <a:t>3</a:t>
             </a:r>
-          </a:p>
-          <a:p>
-            <a:pPr marL="0" indent="0">
-              <a:buNone/>
-            </a:pPr>
-            <a:r>
-              <a:rPr lang="ru-RU" dirty="0"/>
-              <a:t>Разработка клиентского модуля студента</a:t>
-            </a:r>
-          </a:p>
-          <a:p>
-            <a:pPr marL="0" indent="0">
-              <a:buNone/>
-            </a:pPr>
-            <a:r>
-              <a:rPr lang="ru-RU" dirty="0"/>
-              <a:t>Разработка клиентского модуля преподавателя</a:t>
-            </a:r>
-          </a:p>
-          <a:p>
-            <a:pPr marL="0" indent="0">
-              <a:buNone/>
-            </a:pPr>
-            <a:r>
-              <a:rPr lang="ru-RU" dirty="0"/>
-              <a:t>Разработка клиентского модуля авторизации</a:t>
-            </a:r>
-          </a:p>
-          <a:p>
-            <a:pPr marL="0" indent="0">
-              <a:buNone/>
-            </a:pPr>
-            <a:r>
-              <a:rPr lang="ru-RU" dirty="0"/>
-              <a:t>Проектирование архитектуры системы</a:t>
-            </a:r>
+            <a:endParaRPr lang="en-US" sz="1800" dirty="0"/>
           </a:p>
         </p:txBody>
       </p:sp>
@@ -27290,6 +28267,40 @@
           </a:graphicData>
         </a:graphic>
       </p:graphicFrame>
+      <p:sp>
+        <p:nvSpPr>
+          <p:cNvPr id="4" name="Нижний колонтитул 3">
+            <a:extLst>
+              <a:ext uri="{FF2B5EF4-FFF2-40B4-BE49-F238E27FC236}">
+                <a16:creationId xmlns:a16="http://schemas.microsoft.com/office/drawing/2014/main" id="{85E509A0-2928-4DF8-924C-2C7034BFB32A}"/>
+              </a:ext>
+            </a:extLst>
+          </p:cNvPr>
+          <p:cNvSpPr>
+            <a:spLocks noGrp="1"/>
+          </p:cNvSpPr>
+          <p:nvPr>
+            <p:ph type="ftr" sz="quarter" idx="11"/>
+          </p:nvPr>
+        </p:nvSpPr>
+        <p:spPr>
+          <a:xfrm>
+            <a:off x="5816055" y="6200409"/>
+            <a:ext cx="5901459" cy="274320"/>
+          </a:xfrm>
+        </p:spPr>
+        <p:txBody>
+          <a:bodyPr/>
+          <a:lstStyle/>
+          <a:p>
+            <a:r>
+              <a:rPr lang="ru-RU" sz="1800" dirty="0"/>
+              <a:t>4</a:t>
+            </a:r>
+            <a:endParaRPr lang="en-US" sz="1800" dirty="0"/>
+          </a:p>
+        </p:txBody>
+      </p:sp>
     </p:spTree>
     <p:extLst>
       <p:ext uri="{BB962C8B-B14F-4D97-AF65-F5344CB8AC3E}">
@@ -28028,6 +29039,40 @@
           </a:graphicData>
         </a:graphic>
       </p:graphicFrame>
+      <p:sp>
+        <p:nvSpPr>
+          <p:cNvPr id="4" name="Нижний колонтитул 3">
+            <a:extLst>
+              <a:ext uri="{FF2B5EF4-FFF2-40B4-BE49-F238E27FC236}">
+                <a16:creationId xmlns:a16="http://schemas.microsoft.com/office/drawing/2014/main" id="{4919240A-87C0-4E00-A7C5-B2BAF6803C95}"/>
+              </a:ext>
+            </a:extLst>
+          </p:cNvPr>
+          <p:cNvSpPr>
+            <a:spLocks noGrp="1"/>
+          </p:cNvSpPr>
+          <p:nvPr>
+            <p:ph type="ftr" sz="quarter" idx="11"/>
+          </p:nvPr>
+        </p:nvSpPr>
+        <p:spPr>
+          <a:xfrm>
+            <a:off x="5816055" y="6200409"/>
+            <a:ext cx="5901459" cy="274320"/>
+          </a:xfrm>
+        </p:spPr>
+        <p:txBody>
+          <a:bodyPr/>
+          <a:lstStyle/>
+          <a:p>
+            <a:r>
+              <a:rPr lang="ru-RU" sz="1800" dirty="0"/>
+              <a:t>5</a:t>
+            </a:r>
+            <a:endParaRPr lang="en-US" sz="1800" dirty="0"/>
+          </a:p>
+        </p:txBody>
+      </p:sp>
     </p:spTree>
     <p:extLst>
       <p:ext uri="{BB962C8B-B14F-4D97-AF65-F5344CB8AC3E}">
@@ -28679,6 +29724,40 @@
           </a:graphicData>
         </a:graphic>
       </p:graphicFrame>
+      <p:sp>
+        <p:nvSpPr>
+          <p:cNvPr id="5" name="Нижний колонтитул 3">
+            <a:extLst>
+              <a:ext uri="{FF2B5EF4-FFF2-40B4-BE49-F238E27FC236}">
+                <a16:creationId xmlns:a16="http://schemas.microsoft.com/office/drawing/2014/main" id="{30EB58E1-DC74-4049-880F-52D0ADCF8360}"/>
+              </a:ext>
+            </a:extLst>
+          </p:cNvPr>
+          <p:cNvSpPr>
+            <a:spLocks noGrp="1"/>
+          </p:cNvSpPr>
+          <p:nvPr>
+            <p:ph type="ftr" sz="quarter" idx="11"/>
+          </p:nvPr>
+        </p:nvSpPr>
+        <p:spPr>
+          <a:xfrm>
+            <a:off x="5816055" y="6200409"/>
+            <a:ext cx="5901459" cy="274320"/>
+          </a:xfrm>
+        </p:spPr>
+        <p:txBody>
+          <a:bodyPr/>
+          <a:lstStyle/>
+          <a:p>
+            <a:r>
+              <a:rPr lang="ru-RU" sz="1800" dirty="0"/>
+              <a:t>6</a:t>
+            </a:r>
+            <a:endParaRPr lang="en-US" sz="1800" dirty="0"/>
+          </a:p>
+        </p:txBody>
+      </p:sp>
     </p:spTree>
     <p:extLst>
       <p:ext uri="{BB962C8B-B14F-4D97-AF65-F5344CB8AC3E}">
@@ -28769,6 +29848,40 @@
           </a:prstGeom>
         </p:spPr>
       </p:pic>
+      <p:sp>
+        <p:nvSpPr>
+          <p:cNvPr id="4" name="Нижний колонтитул 3">
+            <a:extLst>
+              <a:ext uri="{FF2B5EF4-FFF2-40B4-BE49-F238E27FC236}">
+                <a16:creationId xmlns:a16="http://schemas.microsoft.com/office/drawing/2014/main" id="{3A0735B7-05F6-47ED-90B2-F640E77C058F}"/>
+              </a:ext>
+            </a:extLst>
+          </p:cNvPr>
+          <p:cNvSpPr>
+            <a:spLocks noGrp="1"/>
+          </p:cNvSpPr>
+          <p:nvPr>
+            <p:ph type="ftr" sz="quarter" idx="11"/>
+          </p:nvPr>
+        </p:nvSpPr>
+        <p:spPr>
+          <a:xfrm>
+            <a:off x="5816055" y="6200409"/>
+            <a:ext cx="5901459" cy="274320"/>
+          </a:xfrm>
+        </p:spPr>
+        <p:txBody>
+          <a:bodyPr/>
+          <a:lstStyle/>
+          <a:p>
+            <a:r>
+              <a:rPr lang="ru-RU" sz="1800" dirty="0"/>
+              <a:t>7</a:t>
+            </a:r>
+            <a:endParaRPr lang="en-US" sz="1800" dirty="0"/>
+          </a:p>
+        </p:txBody>
+      </p:sp>
     </p:spTree>
     <p:extLst>
       <p:ext uri="{BB962C8B-B14F-4D97-AF65-F5344CB8AC3E}">
@@ -28859,6 +29972,40 @@
           </a:prstGeom>
         </p:spPr>
       </p:pic>
+      <p:sp>
+        <p:nvSpPr>
+          <p:cNvPr id="4" name="Нижний колонтитул 3">
+            <a:extLst>
+              <a:ext uri="{FF2B5EF4-FFF2-40B4-BE49-F238E27FC236}">
+                <a16:creationId xmlns:a16="http://schemas.microsoft.com/office/drawing/2014/main" id="{D03A3312-8261-4698-AC3F-5E0C5C69ADF0}"/>
+              </a:ext>
+            </a:extLst>
+          </p:cNvPr>
+          <p:cNvSpPr>
+            <a:spLocks noGrp="1"/>
+          </p:cNvSpPr>
+          <p:nvPr>
+            <p:ph type="ftr" sz="quarter" idx="11"/>
+          </p:nvPr>
+        </p:nvSpPr>
+        <p:spPr>
+          <a:xfrm>
+            <a:off x="5816055" y="6200409"/>
+            <a:ext cx="5901459" cy="274320"/>
+          </a:xfrm>
+        </p:spPr>
+        <p:txBody>
+          <a:bodyPr/>
+          <a:lstStyle/>
+          <a:p>
+            <a:r>
+              <a:rPr lang="ru-RU" sz="1800" dirty="0"/>
+              <a:t>8</a:t>
+            </a:r>
+            <a:endParaRPr lang="en-US" sz="1800" dirty="0"/>
+          </a:p>
+        </p:txBody>
+      </p:sp>
     </p:spTree>
     <p:extLst>
       <p:ext uri="{BB962C8B-B14F-4D97-AF65-F5344CB8AC3E}">
@@ -28940,7 +30087,7 @@
             <p:ph idx="1"/>
             <p:extLst>
               <p:ext uri="{D42A27DB-BD31-4B8C-83A1-F6EECF244321}">
-                <p14:modId xmlns:p14="http://schemas.microsoft.com/office/powerpoint/2010/main" val="3376216703"/>
+                <p14:modId xmlns:p14="http://schemas.microsoft.com/office/powerpoint/2010/main" val="238893603"/>
               </p:ext>
             </p:extLst>
           </p:nvPr>
@@ -29090,6 +30237,40 @@
           <a:p>
             <a:pPr algn="ctr"/>
             <a:endParaRPr lang="ru-RU"/>
+          </a:p>
+        </p:txBody>
+      </p:sp>
+      <p:sp>
+        <p:nvSpPr>
+          <p:cNvPr id="8" name="Нижний колонтитул 3">
+            <a:extLst>
+              <a:ext uri="{FF2B5EF4-FFF2-40B4-BE49-F238E27FC236}">
+                <a16:creationId xmlns:a16="http://schemas.microsoft.com/office/drawing/2014/main" id="{E58E8170-A221-4C9A-945F-D15F39167CB7}"/>
+              </a:ext>
+            </a:extLst>
+          </p:cNvPr>
+          <p:cNvSpPr>
+            <a:spLocks noGrp="1"/>
+          </p:cNvSpPr>
+          <p:nvPr>
+            <p:ph type="ftr" sz="quarter" idx="11"/>
+          </p:nvPr>
+        </p:nvSpPr>
+        <p:spPr>
+          <a:xfrm>
+            <a:off x="5816055" y="6200409"/>
+            <a:ext cx="5901459" cy="274320"/>
+          </a:xfrm>
+        </p:spPr>
+        <p:txBody>
+          <a:bodyPr/>
+          <a:lstStyle/>
+          <a:p>
+            <a:r>
+              <a:rPr lang="ru-RU" sz="1800" dirty="0"/>
+              <a:t>9</a:t>
+            </a:r>
+            <a:endParaRPr lang="en-US" sz="1800" dirty="0"/>
           </a:p>
         </p:txBody>
       </p:sp>
@@ -29372,4 +30553,299 @@
     </a:ext>
   </a:extLst>
 </a:theme>
+</file>
+
+<file path=ppt/theme/theme2.xml><?xml version="1.0" encoding="utf-8"?>
+<a:theme xmlns:a="http://schemas.openxmlformats.org/drawingml/2006/main" name="Тема Office">
+  <a:themeElements>
+    <a:clrScheme name="Стандартная">
+      <a:dk1>
+        <a:sysClr val="windowText" lastClr="000000"/>
+      </a:dk1>
+      <a:lt1>
+        <a:sysClr val="window" lastClr="FFFFFF"/>
+      </a:lt1>
+      <a:dk2>
+        <a:srgbClr val="44546A"/>
+      </a:dk2>
+      <a:lt2>
+        <a:srgbClr val="E7E6E6"/>
+      </a:lt2>
+      <a:accent1>
+        <a:srgbClr val="4472C4"/>
+      </a:accent1>
+      <a:accent2>
+        <a:srgbClr val="ED7D31"/>
+      </a:accent2>
+      <a:accent3>
+        <a:srgbClr val="A5A5A5"/>
+      </a:accent3>
+      <a:accent4>
+        <a:srgbClr val="FFC000"/>
+      </a:accent4>
+      <a:accent5>
+        <a:srgbClr val="5B9BD5"/>
+      </a:accent5>
+      <a:accent6>
+        <a:srgbClr val="70AD47"/>
+      </a:accent6>
+      <a:hlink>
+        <a:srgbClr val="0563C1"/>
+      </a:hlink>
+      <a:folHlink>
+        <a:srgbClr val="954F72"/>
+      </a:folHlink>
+    </a:clrScheme>
+    <a:fontScheme name="Стандартная">
+      <a:majorFont>
+        <a:latin typeface="Calibri Light" panose="020F0302020204030204"/>
+        <a:ea typeface=""/>
+        <a:cs typeface=""/>
+        <a:font script="Jpan" typeface="游ゴシック Light"/>
+        <a:font script="Hang" typeface="맑은 고딕"/>
+        <a:font script="Hans" typeface="等线 Light"/>
+        <a:font script="Hant" typeface="新細明體"/>
+        <a:font script="Arab" typeface="Times New Roman"/>
+        <a:font script="Hebr" typeface="Times New Roman"/>
+        <a:font script="Thai" typeface="Angsana New"/>
+        <a:font script="Ethi" typeface="Nyala"/>
+        <a:font script="Beng" typeface="Vrinda"/>
+        <a:font script="Gujr" typeface="Shruti"/>
+        <a:font script="Khmr" typeface="MoolBoran"/>
+        <a:font script="Knda" typeface="Tunga"/>
+        <a:font script="Guru" typeface="Raavi"/>
+        <a:font script="Cans" typeface="Euphemia"/>
+        <a:font script="Cher" typeface="Plantagenet Cherokee"/>
+        <a:font script="Yiii" typeface="Microsoft Yi Baiti"/>
+        <a:font script="Tibt" typeface="Microsoft Himalaya"/>
+        <a:font script="Thaa" typeface="MV Boli"/>
+        <a:font script="Deva" typeface="Mangal"/>
+        <a:font script="Telu" typeface="Gautami"/>
+        <a:font script="Taml" typeface="Latha"/>
+        <a:font script="Syrc" typeface="Estrangelo Edessa"/>
+        <a:font script="Orya" typeface="Kalinga"/>
+        <a:font script="Mlym" typeface="Kartika"/>
+        <a:font script="Laoo" typeface="DokChampa"/>
+        <a:font script="Sinh" typeface="Iskoola Pota"/>
+        <a:font script="Mong" typeface="Mongolian Baiti"/>
+        <a:font script="Viet" typeface="Times New Roman"/>
+        <a:font script="Uigh" typeface="Microsoft Uighur"/>
+        <a:font script="Geor" typeface="Sylfaen"/>
+        <a:font script="Armn" typeface="Arial"/>
+        <a:font script="Bugi" typeface="Leelawadee UI"/>
+        <a:font script="Bopo" typeface="Microsoft JhengHei"/>
+        <a:font script="Java" typeface="Javanese Text"/>
+        <a:font script="Lisu" typeface="Segoe UI"/>
+        <a:font script="Mymr" typeface="Myanmar Text"/>
+        <a:font script="Nkoo" typeface="Ebrima"/>
+        <a:font script="Olck" typeface="Nirmala UI"/>
+        <a:font script="Osma" typeface="Ebrima"/>
+        <a:font script="Phag" typeface="Phagspa"/>
+        <a:font script="Syrn" typeface="Estrangelo Edessa"/>
+        <a:font script="Syrj" typeface="Estrangelo Edessa"/>
+        <a:font script="Syre" typeface="Estrangelo Edessa"/>
+        <a:font script="Sora" typeface="Nirmala UI"/>
+        <a:font script="Tale" typeface="Microsoft Tai Le"/>
+        <a:font script="Talu" typeface="Microsoft New Tai Lue"/>
+        <a:font script="Tfng" typeface="Ebrima"/>
+      </a:majorFont>
+      <a:minorFont>
+        <a:latin typeface="Calibri" panose="020F0502020204030204"/>
+        <a:ea typeface=""/>
+        <a:cs typeface=""/>
+        <a:font script="Jpan" typeface="游ゴシック"/>
+        <a:font script="Hang" typeface="맑은 고딕"/>
+        <a:font script="Hans" typeface="等线"/>
+        <a:font script="Hant" typeface="新細明體"/>
+        <a:font script="Arab" typeface="Arial"/>
+        <a:font script="Hebr" typeface="Arial"/>
+        <a:font script="Thai" typeface="Cordia New"/>
+        <a:font script="Ethi" typeface="Nyala"/>
+        <a:font script="Beng" typeface="Vrinda"/>
+        <a:font script="Gujr" typeface="Shruti"/>
+        <a:font script="Khmr" typeface="DaunPenh"/>
+        <a:font script="Knda" typeface="Tunga"/>
+        <a:font script="Guru" typeface="Raavi"/>
+        <a:font script="Cans" typeface="Euphemia"/>
+        <a:font script="Cher" typeface="Plantagenet Cherokee"/>
+        <a:font script="Yiii" typeface="Microsoft Yi Baiti"/>
+        <a:font script="Tibt" typeface="Microsoft Himalaya"/>
+        <a:font script="Thaa" typeface="MV Boli"/>
+        <a:font script="Deva" typeface="Mangal"/>
+        <a:font script="Telu" typeface="Gautami"/>
+        <a:font script="Taml" typeface="Latha"/>
+        <a:font script="Syrc" typeface="Estrangelo Edessa"/>
+        <a:font script="Orya" typeface="Kalinga"/>
+        <a:font script="Mlym" typeface="Kartika"/>
+        <a:font script="Laoo" typeface="DokChampa"/>
+        <a:font script="Sinh" typeface="Iskoola Pota"/>
+        <a:font script="Mong" typeface="Mongolian Baiti"/>
+        <a:font script="Viet" typeface="Arial"/>
+        <a:font script="Uigh" typeface="Microsoft Uighur"/>
+        <a:font script="Geor" typeface="Sylfaen"/>
+        <a:font script="Armn" typeface="Arial"/>
+        <a:font script="Bugi" typeface="Leelawadee UI"/>
+        <a:font script="Bopo" typeface="Microsoft JhengHei"/>
+        <a:font script="Java" typeface="Javanese Text"/>
+        <a:font script="Lisu" typeface="Segoe UI"/>
+        <a:font script="Mymr" typeface="Myanmar Text"/>
+        <a:font script="Nkoo" typeface="Ebrima"/>
+        <a:font script="Olck" typeface="Nirmala UI"/>
+        <a:font script="Osma" typeface="Ebrima"/>
+        <a:font script="Phag" typeface="Phagspa"/>
+        <a:font script="Syrn" typeface="Estrangelo Edessa"/>
+        <a:font script="Syrj" typeface="Estrangelo Edessa"/>
+        <a:font script="Syre" typeface="Estrangelo Edessa"/>
+        <a:font script="Sora" typeface="Nirmala UI"/>
+        <a:font script="Tale" typeface="Microsoft Tai Le"/>
+        <a:font script="Talu" typeface="Microsoft New Tai Lue"/>
+        <a:font script="Tfng" typeface="Ebrima"/>
+      </a:minorFont>
+    </a:fontScheme>
+    <a:fmtScheme name="Стандартная">
+      <a:fillStyleLst>
+        <a:solidFill>
+          <a:schemeClr val="phClr"/>
+        </a:solidFill>
+        <a:gradFill rotWithShape="1">
+          <a:gsLst>
+            <a:gs pos="0">
+              <a:schemeClr val="phClr">
+                <a:lumMod val="110000"/>
+                <a:satMod val="105000"/>
+                <a:tint val="67000"/>
+              </a:schemeClr>
+            </a:gs>
+            <a:gs pos="50000">
+              <a:schemeClr val="phClr">
+                <a:lumMod val="105000"/>
+                <a:satMod val="103000"/>
+                <a:tint val="73000"/>
+              </a:schemeClr>
+            </a:gs>
+            <a:gs pos="100000">
+              <a:schemeClr val="phClr">
+                <a:lumMod val="105000"/>
+                <a:satMod val="109000"/>
+                <a:tint val="81000"/>
+              </a:schemeClr>
+            </a:gs>
+          </a:gsLst>
+          <a:lin ang="5400000" scaled="0"/>
+        </a:gradFill>
+        <a:gradFill rotWithShape="1">
+          <a:gsLst>
+            <a:gs pos="0">
+              <a:schemeClr val="phClr">
+                <a:satMod val="103000"/>
+                <a:lumMod val="102000"/>
+                <a:tint val="94000"/>
+              </a:schemeClr>
+            </a:gs>
+            <a:gs pos="50000">
+              <a:schemeClr val="phClr">
+                <a:satMod val="110000"/>
+                <a:lumMod val="100000"/>
+                <a:shade val="100000"/>
+              </a:schemeClr>
+            </a:gs>
+            <a:gs pos="100000">
+              <a:schemeClr val="phClr">
+                <a:lumMod val="99000"/>
+                <a:satMod val="120000"/>
+                <a:shade val="78000"/>
+              </a:schemeClr>
+            </a:gs>
+          </a:gsLst>
+          <a:lin ang="5400000" scaled="0"/>
+        </a:gradFill>
+      </a:fillStyleLst>
+      <a:lnStyleLst>
+        <a:ln w="6350" cap="flat" cmpd="sng" algn="ctr">
+          <a:solidFill>
+            <a:schemeClr val="phClr"/>
+          </a:solidFill>
+          <a:prstDash val="solid"/>
+          <a:miter lim="800000"/>
+        </a:ln>
+        <a:ln w="12700" cap="flat" cmpd="sng" algn="ctr">
+          <a:solidFill>
+            <a:schemeClr val="phClr"/>
+          </a:solidFill>
+          <a:prstDash val="solid"/>
+          <a:miter lim="800000"/>
+        </a:ln>
+        <a:ln w="19050" cap="flat" cmpd="sng" algn="ctr">
+          <a:solidFill>
+            <a:schemeClr val="phClr"/>
+          </a:solidFill>
+          <a:prstDash val="solid"/>
+          <a:miter lim="800000"/>
+        </a:ln>
+      </a:lnStyleLst>
+      <a:effectStyleLst>
+        <a:effectStyle>
+          <a:effectLst/>
+        </a:effectStyle>
+        <a:effectStyle>
+          <a:effectLst/>
+        </a:effectStyle>
+        <a:effectStyle>
+          <a:effectLst>
+            <a:outerShdw blurRad="57150" dist="19050" dir="5400000" algn="ctr" rotWithShape="0">
+              <a:srgbClr val="000000">
+                <a:alpha val="63000"/>
+              </a:srgbClr>
+            </a:outerShdw>
+          </a:effectLst>
+        </a:effectStyle>
+      </a:effectStyleLst>
+      <a:bgFillStyleLst>
+        <a:solidFill>
+          <a:schemeClr val="phClr"/>
+        </a:solidFill>
+        <a:solidFill>
+          <a:schemeClr val="phClr">
+            <a:tint val="95000"/>
+            <a:satMod val="170000"/>
+          </a:schemeClr>
+        </a:solidFill>
+        <a:gradFill rotWithShape="1">
+          <a:gsLst>
+            <a:gs pos="0">
+              <a:schemeClr val="phClr">
+                <a:tint val="93000"/>
+                <a:satMod val="150000"/>
+                <a:shade val="98000"/>
+                <a:lumMod val="102000"/>
+              </a:schemeClr>
+            </a:gs>
+            <a:gs pos="50000">
+              <a:schemeClr val="phClr">
+                <a:tint val="98000"/>
+                <a:satMod val="130000"/>
+                <a:shade val="90000"/>
+                <a:lumMod val="103000"/>
+              </a:schemeClr>
+            </a:gs>
+            <a:gs pos="100000">
+              <a:schemeClr val="phClr">
+                <a:shade val="63000"/>
+                <a:satMod val="120000"/>
+              </a:schemeClr>
+            </a:gs>
+          </a:gsLst>
+          <a:lin ang="5400000" scaled="0"/>
+        </a:gradFill>
+      </a:bgFillStyleLst>
+    </a:fmtScheme>
+  </a:themeElements>
+  <a:objectDefaults/>
+  <a:extraClrSchemeLst/>
+  <a:extLst>
+    <a:ext uri="{05A4C25C-085E-4340-85A3-A5531E510DB2}">
+      <thm15:themeFamily xmlns:thm15="http://schemas.microsoft.com/office/thememl/2012/main" name="Office Theme" id="{62F939B6-93AF-4DB8-9C6B-D6C7DFDC589F}" vid="{4A3C46E8-61CC-4603-A589-7422A47A8E4A}"/>
+    </a:ext>
+  </a:extLst>
+</a:theme>
 </file>